--- a/Firefox OS.pptx
+++ b/Firefox OS.pptx
@@ -7114,15 +7114,15 @@
           <a:lstStyle/>
           <a:p>
             <a:r>
-              <a:rPr lang="en-US" b="1" dirty="0" smtClean="0"/>
-              <a:t>Prepared by</a:t>
-            </a:r>
-            <a:r>
-              <a:rPr lang="en-US" b="1" dirty="0" smtClean="0"/>
-              <a:t>:</a:t>
-            </a:r>
-            <a:r>
-              <a:rPr lang="bg-BG" b="1" dirty="0" smtClean="0"/>
+              <a:rPr lang="en-US" b="1" smtClean="0"/>
+              <a:t>Prepared </a:t>
+            </a:r>
+            <a:r>
+              <a:rPr lang="en-US" b="1" smtClean="0"/>
+              <a:t>by</a:t>
+            </a:r>
+            <a:r>
+              <a:rPr lang="bg-BG" b="1" smtClean="0"/>
               <a:t>:</a:t>
             </a:r>
             <a:endParaRPr lang="bg-BG" dirty="0" smtClean="0"/>

--- a/Firefox OS.pptx
+++ b/Firefox OS.pptx
@@ -5,7 +5,7 @@
     <p:sldMasterId id="2147483660" r:id="rId1"/>
   </p:sldMasterIdLst>
   <p:notesMasterIdLst>
-    <p:notesMasterId r:id="rId47"/>
+    <p:notesMasterId r:id="rId43"/>
   </p:notesMasterIdLst>
   <p:sldIdLst>
     <p:sldId id="256" r:id="rId2"/>
@@ -41,18 +41,14 @@
     <p:sldId id="274" r:id="rId32"/>
     <p:sldId id="275" r:id="rId33"/>
     <p:sldId id="276" r:id="rId34"/>
-    <p:sldId id="277" r:id="rId35"/>
-    <p:sldId id="278" r:id="rId36"/>
-    <p:sldId id="279" r:id="rId37"/>
-    <p:sldId id="280" r:id="rId38"/>
-    <p:sldId id="281" r:id="rId39"/>
-    <p:sldId id="282" r:id="rId40"/>
-    <p:sldId id="283" r:id="rId41"/>
-    <p:sldId id="284" r:id="rId42"/>
-    <p:sldId id="285" r:id="rId43"/>
-    <p:sldId id="286" r:id="rId44"/>
-    <p:sldId id="287" r:id="rId45"/>
-    <p:sldId id="288" r:id="rId46"/>
+    <p:sldId id="279" r:id="rId35"/>
+    <p:sldId id="280" r:id="rId36"/>
+    <p:sldId id="281" r:id="rId37"/>
+    <p:sldId id="282" r:id="rId38"/>
+    <p:sldId id="283" r:id="rId39"/>
+    <p:sldId id="284" r:id="rId40"/>
+    <p:sldId id="287" r:id="rId41"/>
+    <p:sldId id="288" r:id="rId42"/>
   </p:sldIdLst>
   <p:sldSz cx="9144000" cy="6858000" type="screen4x3"/>
   <p:notesSz cx="6858000" cy="9144000"/>
@@ -236,6 +232,7 @@
           <a:p>
             <a:fld id="{BDE60336-4CE9-4865-8304-0E44712940A4}" type="datetimeFigureOut">
               <a:rPr lang="bg-BG" smtClean="0"/>
+              <a:pPr/>
               <a:t>29.5.2013 г.</a:t>
             </a:fld>
             <a:endParaRPr lang="bg-BG"/>
@@ -397,6 +394,7 @@
           <a:p>
             <a:fld id="{66EAF535-31B0-48BF-942D-0BE1740D5FCA}" type="slidenum">
               <a:rPr lang="bg-BG" smtClean="0"/>
+              <a:pPr/>
               <a:t>‹#›</a:t>
             </a:fld>
             <a:endParaRPr lang="bg-BG"/>
@@ -1046,7 +1044,7 @@
         <p:nvSpPr>
           <p:cNvPr id="18433" name="Rectangle 1"/>
           <p:cNvSpPr txBox="1">
-            <a:spLocks noChangeArrowheads="1"/>
+            <a:spLocks noGrp="1" noRot="1" noChangeAspect="1" noChangeArrowheads="1"/>
           </p:cNvSpPr>
           <p:nvPr>
             <p:ph type="sldImg"/>
@@ -1077,7 +1075,7 @@
         <p:nvSpPr>
           <p:cNvPr id="18434" name="Rectangle 2"/>
           <p:cNvSpPr txBox="1">
-            <a:spLocks noChangeArrowheads="1"/>
+            <a:spLocks noGrp="1" noChangeArrowheads="1"/>
           </p:cNvSpPr>
           <p:nvPr>
             <p:ph type="body" idx="1"/>
@@ -1169,7 +1167,7 @@
         <p:nvSpPr>
           <p:cNvPr id="19457" name="Rectangle 1"/>
           <p:cNvSpPr txBox="1">
-            <a:spLocks noChangeArrowheads="1"/>
+            <a:spLocks noGrp="1" noRot="1" noChangeAspect="1" noChangeArrowheads="1"/>
           </p:cNvSpPr>
           <p:nvPr>
             <p:ph type="sldImg"/>
@@ -1200,7 +1198,7 @@
         <p:nvSpPr>
           <p:cNvPr id="19458" name="Rectangle 2"/>
           <p:cNvSpPr txBox="1">
-            <a:spLocks noChangeArrowheads="1"/>
+            <a:spLocks noGrp="1" noChangeArrowheads="1"/>
           </p:cNvSpPr>
           <p:nvPr>
             <p:ph type="body" idx="1"/>
@@ -1292,7 +1290,7 @@
         <p:nvSpPr>
           <p:cNvPr id="20481" name="Rectangle 1"/>
           <p:cNvSpPr txBox="1">
-            <a:spLocks noChangeArrowheads="1"/>
+            <a:spLocks noGrp="1" noRot="1" noChangeAspect="1" noChangeArrowheads="1"/>
           </p:cNvSpPr>
           <p:nvPr>
             <p:ph type="sldImg"/>
@@ -1323,7 +1321,7 @@
         <p:nvSpPr>
           <p:cNvPr id="20482" name="Rectangle 2"/>
           <p:cNvSpPr txBox="1">
-            <a:spLocks noChangeArrowheads="1"/>
+            <a:spLocks noGrp="1" noChangeArrowheads="1"/>
           </p:cNvSpPr>
           <p:nvPr>
             <p:ph type="body" idx="1"/>
@@ -1402,7 +1400,7 @@
           <a:bodyPr/>
           <a:lstStyle/>
           <a:p>
-            <a:fld id="{B95BBBE6-BD4D-406B-BF63-453B35312924}" type="slidenum">
+            <a:fld id="{9BA461D1-2C66-4CF1-A94E-BBE630D93FAD}" type="slidenum">
               <a:rPr lang="en-US"/>
               <a:pPr/>
               <a:t>34</a:t>
@@ -1413,9 +1411,9 @@
       </p:sp>
       <p:sp>
         <p:nvSpPr>
-          <p:cNvPr id="21505" name="Rectangle 1"/>
+          <p:cNvPr id="23553" name="Rectangle 1"/>
           <p:cNvSpPr txBox="1">
-            <a:spLocks noChangeArrowheads="1"/>
+            <a:spLocks noGrp="1" noRot="1" noChangeAspect="1" noChangeArrowheads="1"/>
           </p:cNvSpPr>
           <p:nvPr>
             <p:ph type="sldImg"/>
@@ -1423,8 +1421,8 @@
         </p:nvSpPr>
         <p:spPr bwMode="auto">
           <a:xfrm>
-            <a:off x="1210236" y="694171"/>
-            <a:ext cx="4437529" cy="3429000"/>
+            <a:off x="1143000" y="693738"/>
+            <a:ext cx="4572000" cy="3429000"/>
           </a:xfrm>
           <a:prstGeom prst="rect">
             <a:avLst/>
@@ -1444,9 +1442,9 @@
       </p:sp>
       <p:sp>
         <p:nvSpPr>
-          <p:cNvPr id="21506" name="Rectangle 2"/>
+          <p:cNvPr id="23554" name="Rectangle 2"/>
           <p:cNvSpPr txBox="1">
-            <a:spLocks noChangeArrowheads="1"/>
+            <a:spLocks noGrp="1" noChangeArrowheads="1"/>
           </p:cNvSpPr>
           <p:nvPr>
             <p:ph type="body" idx="1"/>
@@ -1595,7 +1593,7 @@
           <a:bodyPr/>
           <a:lstStyle/>
           <a:p>
-            <a:fld id="{6F6C9F98-4324-43E9-A3C7-645696827204}" type="slidenum">
+            <a:fld id="{90CCFAB9-C482-4A9B-ACEC-6E7BE6125299}" type="slidenum">
               <a:rPr lang="en-US"/>
               <a:pPr/>
               <a:t>35</a:t>
@@ -1606,9 +1604,9 @@
       </p:sp>
       <p:sp>
         <p:nvSpPr>
-          <p:cNvPr id="22529" name="Rectangle 1"/>
+          <p:cNvPr id="24577" name="Rectangle 1"/>
           <p:cNvSpPr txBox="1">
-            <a:spLocks noChangeArrowheads="1"/>
+            <a:spLocks noGrp="1" noRot="1" noChangeAspect="1" noChangeArrowheads="1"/>
           </p:cNvSpPr>
           <p:nvPr>
             <p:ph type="sldImg"/>
@@ -1616,8 +1614,8 @@
         </p:nvSpPr>
         <p:spPr bwMode="auto">
           <a:xfrm>
-            <a:off x="1210236" y="694171"/>
-            <a:ext cx="4437529" cy="3429000"/>
+            <a:off x="1143000" y="693738"/>
+            <a:ext cx="4572000" cy="3429000"/>
           </a:xfrm>
           <a:prstGeom prst="rect">
             <a:avLst/>
@@ -1637,9 +1635,9 @@
       </p:sp>
       <p:sp>
         <p:nvSpPr>
-          <p:cNvPr id="22530" name="Rectangle 2"/>
+          <p:cNvPr id="24578" name="Rectangle 2"/>
           <p:cNvSpPr txBox="1">
-            <a:spLocks noChangeArrowheads="1"/>
+            <a:spLocks noGrp="1" noChangeArrowheads="1"/>
           </p:cNvSpPr>
           <p:nvPr>
             <p:ph type="body" idx="1"/>
@@ -1718,7 +1716,7 @@
           <a:bodyPr/>
           <a:lstStyle/>
           <a:p>
-            <a:fld id="{9BA461D1-2C66-4CF1-A94E-BBE630D93FAD}" type="slidenum">
+            <a:fld id="{500C0082-2FE8-40B0-8F7E-A733F05DDFEC}" type="slidenum">
               <a:rPr lang="en-US"/>
               <a:pPr/>
               <a:t>36</a:t>
@@ -1729,9 +1727,9 @@
       </p:sp>
       <p:sp>
         <p:nvSpPr>
-          <p:cNvPr id="23553" name="Rectangle 1"/>
+          <p:cNvPr id="25601" name="Rectangle 1"/>
           <p:cNvSpPr txBox="1">
-            <a:spLocks noChangeArrowheads="1"/>
+            <a:spLocks noGrp="1" noRot="1" noChangeAspect="1" noChangeArrowheads="1"/>
           </p:cNvSpPr>
           <p:nvPr>
             <p:ph type="sldImg"/>
@@ -1739,8 +1737,8 @@
         </p:nvSpPr>
         <p:spPr bwMode="auto">
           <a:xfrm>
-            <a:off x="1143000" y="693738"/>
-            <a:ext cx="4572000" cy="3429000"/>
+            <a:off x="1210236" y="694171"/>
+            <a:ext cx="4437529" cy="3429000"/>
           </a:xfrm>
           <a:prstGeom prst="rect">
             <a:avLst/>
@@ -1760,9 +1758,9 @@
       </p:sp>
       <p:sp>
         <p:nvSpPr>
-          <p:cNvPr id="23554" name="Rectangle 2"/>
+          <p:cNvPr id="25602" name="Rectangle 2"/>
           <p:cNvSpPr txBox="1">
-            <a:spLocks noChangeArrowheads="1"/>
+            <a:spLocks noGrp="1" noChangeArrowheads="1"/>
           </p:cNvSpPr>
           <p:nvPr>
             <p:ph type="body" idx="1"/>
@@ -1841,7 +1839,7 @@
           <a:bodyPr/>
           <a:lstStyle/>
           <a:p>
-            <a:fld id="{90CCFAB9-C482-4A9B-ACEC-6E7BE6125299}" type="slidenum">
+            <a:fld id="{4D0A4D12-6546-4A4E-9D47-8C8B5E03A98C}" type="slidenum">
               <a:rPr lang="en-US"/>
               <a:pPr/>
               <a:t>37</a:t>
@@ -1852,9 +1850,9 @@
       </p:sp>
       <p:sp>
         <p:nvSpPr>
-          <p:cNvPr id="24577" name="Rectangle 1"/>
+          <p:cNvPr id="26625" name="Rectangle 1"/>
           <p:cNvSpPr txBox="1">
-            <a:spLocks noChangeArrowheads="1"/>
+            <a:spLocks noGrp="1" noRot="1" noChangeAspect="1" noChangeArrowheads="1"/>
           </p:cNvSpPr>
           <p:nvPr>
             <p:ph type="sldImg"/>
@@ -1862,8 +1860,8 @@
         </p:nvSpPr>
         <p:spPr bwMode="auto">
           <a:xfrm>
-            <a:off x="1143000" y="693738"/>
-            <a:ext cx="4572000" cy="3429000"/>
+            <a:off x="1210236" y="694171"/>
+            <a:ext cx="4437529" cy="3429000"/>
           </a:xfrm>
           <a:prstGeom prst="rect">
             <a:avLst/>
@@ -1883,9 +1881,9 @@
       </p:sp>
       <p:sp>
         <p:nvSpPr>
-          <p:cNvPr id="24578" name="Rectangle 2"/>
+          <p:cNvPr id="26626" name="Rectangle 2"/>
           <p:cNvSpPr txBox="1">
-            <a:spLocks noChangeArrowheads="1"/>
+            <a:spLocks noGrp="1" noChangeArrowheads="1"/>
           </p:cNvSpPr>
           <p:nvPr>
             <p:ph type="body" idx="1"/>
@@ -1964,7 +1962,7 @@
           <a:bodyPr/>
           <a:lstStyle/>
           <a:p>
-            <a:fld id="{500C0082-2FE8-40B0-8F7E-A733F05DDFEC}" type="slidenum">
+            <a:fld id="{D5EA9A5B-4035-405D-8FE3-D290304F54F5}" type="slidenum">
               <a:rPr lang="en-US"/>
               <a:pPr/>
               <a:t>38</a:t>
@@ -1975,9 +1973,9 @@
       </p:sp>
       <p:sp>
         <p:nvSpPr>
-          <p:cNvPr id="25601" name="Rectangle 1"/>
+          <p:cNvPr id="27649" name="Rectangle 1"/>
           <p:cNvSpPr txBox="1">
-            <a:spLocks noChangeArrowheads="1"/>
+            <a:spLocks noGrp="1" noRot="1" noChangeAspect="1" noChangeArrowheads="1"/>
           </p:cNvSpPr>
           <p:nvPr>
             <p:ph type="sldImg"/>
@@ -2006,9 +2004,9 @@
       </p:sp>
       <p:sp>
         <p:nvSpPr>
-          <p:cNvPr id="25602" name="Rectangle 2"/>
+          <p:cNvPr id="27650" name="Rectangle 2"/>
           <p:cNvSpPr txBox="1">
-            <a:spLocks noChangeArrowheads="1"/>
+            <a:spLocks noGrp="1" noChangeArrowheads="1"/>
           </p:cNvSpPr>
           <p:nvPr>
             <p:ph type="body" idx="1"/>
@@ -2087,7 +2085,7 @@
           <a:bodyPr/>
           <a:lstStyle/>
           <a:p>
-            <a:fld id="{4D0A4D12-6546-4A4E-9D47-8C8B5E03A98C}" type="slidenum">
+            <a:fld id="{6B9AB3A5-C821-400E-B5D0-C76DD4A86CFC}" type="slidenum">
               <a:rPr lang="en-US"/>
               <a:pPr/>
               <a:t>39</a:t>
@@ -2098,9 +2096,9 @@
       </p:sp>
       <p:sp>
         <p:nvSpPr>
-          <p:cNvPr id="26625" name="Rectangle 1"/>
+          <p:cNvPr id="28673" name="Rectangle 1"/>
           <p:cNvSpPr txBox="1">
-            <a:spLocks noChangeArrowheads="1"/>
+            <a:spLocks noGrp="1" noRot="1" noChangeAspect="1" noChangeArrowheads="1"/>
           </p:cNvSpPr>
           <p:nvPr>
             <p:ph type="sldImg"/>
@@ -2129,9 +2127,9 @@
       </p:sp>
       <p:sp>
         <p:nvSpPr>
-          <p:cNvPr id="26626" name="Rectangle 2"/>
+          <p:cNvPr id="28674" name="Rectangle 2"/>
           <p:cNvSpPr txBox="1">
-            <a:spLocks noChangeArrowheads="1"/>
+            <a:spLocks noGrp="1" noChangeArrowheads="1"/>
           </p:cNvSpPr>
           <p:nvPr>
             <p:ph type="body" idx="1"/>
@@ -2210,7 +2208,7 @@
           <a:bodyPr/>
           <a:lstStyle/>
           <a:p>
-            <a:fld id="{D5EA9A5B-4035-405D-8FE3-D290304F54F5}" type="slidenum">
+            <a:fld id="{0979300F-B7B5-4BA0-954E-D973635D5D73}" type="slidenum">
               <a:rPr lang="en-US"/>
               <a:pPr/>
               <a:t>40</a:t>
@@ -2221,9 +2219,9 @@
       </p:sp>
       <p:sp>
         <p:nvSpPr>
-          <p:cNvPr id="27649" name="Rectangle 1"/>
+          <p:cNvPr id="31745" name="Rectangle 1"/>
           <p:cNvSpPr txBox="1">
-            <a:spLocks noChangeArrowheads="1"/>
+            <a:spLocks noGrp="1" noRot="1" noChangeAspect="1" noChangeArrowheads="1"/>
           </p:cNvSpPr>
           <p:nvPr>
             <p:ph type="sldImg"/>
@@ -2252,9 +2250,9 @@
       </p:sp>
       <p:sp>
         <p:nvSpPr>
-          <p:cNvPr id="27650" name="Rectangle 2"/>
+          <p:cNvPr id="31746" name="Rectangle 2"/>
           <p:cNvSpPr txBox="1">
-            <a:spLocks noChangeArrowheads="1"/>
+            <a:spLocks noGrp="1" noChangeArrowheads="1"/>
           </p:cNvSpPr>
           <p:nvPr>
             <p:ph type="body" idx="1"/>
@@ -2333,7 +2331,7 @@
           <a:bodyPr/>
           <a:lstStyle/>
           <a:p>
-            <a:fld id="{6B9AB3A5-C821-400E-B5D0-C76DD4A86CFC}" type="slidenum">
+            <a:fld id="{C7876D0E-D4E8-4A09-B652-A8F59EB0AE59}" type="slidenum">
               <a:rPr lang="en-US"/>
               <a:pPr/>
               <a:t>41</a:t>
@@ -2344,9 +2342,9 @@
       </p:sp>
       <p:sp>
         <p:nvSpPr>
-          <p:cNvPr id="28673" name="Rectangle 1"/>
+          <p:cNvPr id="32769" name="Rectangle 1"/>
           <p:cNvSpPr txBox="1">
-            <a:spLocks noChangeArrowheads="1"/>
+            <a:spLocks noGrp="1" noRot="1" noChangeAspect="1" noChangeArrowheads="1"/>
           </p:cNvSpPr>
           <p:nvPr>
             <p:ph type="sldImg"/>
@@ -2375,378 +2373,9 @@
       </p:sp>
       <p:sp>
         <p:nvSpPr>
-          <p:cNvPr id="28674" name="Rectangle 2"/>
+          <p:cNvPr id="32770" name="Rectangle 2"/>
           <p:cNvSpPr txBox="1">
-            <a:spLocks noChangeArrowheads="1"/>
-          </p:cNvSpPr>
-          <p:nvPr>
-            <p:ph type="body" idx="1"/>
-          </p:nvPr>
-        </p:nvSpPr>
-        <p:spPr bwMode="auto">
-          <a:xfrm>
-            <a:off x="686360" y="4342535"/>
-            <a:ext cx="5486681" cy="4114511"/>
-          </a:xfrm>
-          <a:prstGeom prst="rect">
-            <a:avLst/>
-          </a:prstGeom>
-          <a:noFill/>
-          <a:ln>
-            <a:round/>
-            <a:headEnd/>
-            <a:tailEnd/>
-          </a:ln>
-        </p:spPr>
-        <p:txBody>
-          <a:bodyPr wrap="none" anchor="ctr"/>
-          <a:lstStyle/>
-          <a:p>
-            <a:endParaRPr lang="bg-BG"/>
-          </a:p>
-        </p:txBody>
-      </p:sp>
-    </p:spTree>
-  </p:cSld>
-  <p:clrMapOvr>
-    <a:masterClrMapping/>
-  </p:clrMapOvr>
-</p:notes>
-</file>
-
-<file path=ppt/notesSlides/notesSlide27.xml><?xml version="1.0" encoding="utf-8"?>
-<p:notes xmlns:a="http://schemas.openxmlformats.org/drawingml/2006/main" xmlns:r="http://schemas.openxmlformats.org/officeDocument/2006/relationships" xmlns:p="http://schemas.openxmlformats.org/presentationml/2006/main">
-  <p:cSld>
-    <p:bg>
-      <p:bgPr>
-        <a:solidFill>
-          <a:srgbClr val="FFFFFF"/>
-        </a:solidFill>
-        <a:effectLst/>
-      </p:bgPr>
-    </p:bg>
-    <p:spTree>
-      <p:nvGrpSpPr>
-        <p:cNvPr id="1" name=""/>
-        <p:cNvGrpSpPr/>
-        <p:nvPr/>
-      </p:nvGrpSpPr>
-      <p:grpSpPr>
-        <a:xfrm>
-          <a:off x="0" y="0"/>
-          <a:ext cx="0" cy="0"/>
-          <a:chOff x="0" y="0"/>
-          <a:chExt cx="0" cy="0"/>
-        </a:xfrm>
-      </p:grpSpPr>
-      <p:sp>
-        <p:nvSpPr>
-          <p:cNvPr id="7" name="Rectangle 6"/>
-          <p:cNvSpPr>
             <a:spLocks noGrp="1" noChangeArrowheads="1"/>
-          </p:cNvSpPr>
-          <p:nvPr>
-            <p:ph type="sldNum"/>
-          </p:nvPr>
-        </p:nvSpPr>
-        <p:spPr>
-          <a:ln/>
-        </p:spPr>
-        <p:txBody>
-          <a:bodyPr/>
-          <a:lstStyle/>
-          <a:p>
-            <a:fld id="{53B1B80C-052B-492F-ABA0-552C00216770}" type="slidenum">
-              <a:rPr lang="en-US"/>
-              <a:pPr/>
-              <a:t>42</a:t>
-            </a:fld>
-            <a:endParaRPr lang="en-US"/>
-          </a:p>
-        </p:txBody>
-      </p:sp>
-      <p:sp>
-        <p:nvSpPr>
-          <p:cNvPr id="29697" name="Rectangle 1"/>
-          <p:cNvSpPr txBox="1">
-            <a:spLocks noChangeArrowheads="1"/>
-          </p:cNvSpPr>
-          <p:nvPr>
-            <p:ph type="sldImg"/>
-          </p:nvPr>
-        </p:nvSpPr>
-        <p:spPr bwMode="auto">
-          <a:xfrm>
-            <a:off x="1210236" y="694171"/>
-            <a:ext cx="4437529" cy="3429000"/>
-          </a:xfrm>
-          <a:prstGeom prst="rect">
-            <a:avLst/>
-          </a:prstGeom>
-          <a:solidFill>
-            <a:srgbClr val="FFFFFF"/>
-          </a:solidFill>
-          <a:ln>
-            <a:solidFill>
-              <a:srgbClr val="000000"/>
-            </a:solidFill>
-            <a:miter lim="800000"/>
-            <a:headEnd/>
-            <a:tailEnd/>
-          </a:ln>
-        </p:spPr>
-      </p:sp>
-      <p:sp>
-        <p:nvSpPr>
-          <p:cNvPr id="29698" name="Rectangle 2"/>
-          <p:cNvSpPr txBox="1">
-            <a:spLocks noChangeArrowheads="1"/>
-          </p:cNvSpPr>
-          <p:nvPr>
-            <p:ph type="body" idx="1"/>
-          </p:nvPr>
-        </p:nvSpPr>
-        <p:spPr bwMode="auto">
-          <a:xfrm>
-            <a:off x="686360" y="4342535"/>
-            <a:ext cx="5486681" cy="4114511"/>
-          </a:xfrm>
-          <a:prstGeom prst="rect">
-            <a:avLst/>
-          </a:prstGeom>
-          <a:noFill/>
-          <a:ln>
-            <a:round/>
-            <a:headEnd/>
-            <a:tailEnd/>
-          </a:ln>
-        </p:spPr>
-        <p:txBody>
-          <a:bodyPr wrap="none" anchor="ctr"/>
-          <a:lstStyle/>
-          <a:p>
-            <a:endParaRPr lang="bg-BG"/>
-          </a:p>
-        </p:txBody>
-      </p:sp>
-    </p:spTree>
-  </p:cSld>
-  <p:clrMapOvr>
-    <a:masterClrMapping/>
-  </p:clrMapOvr>
-</p:notes>
-</file>
-
-<file path=ppt/notesSlides/notesSlide28.xml><?xml version="1.0" encoding="utf-8"?>
-<p:notes xmlns:a="http://schemas.openxmlformats.org/drawingml/2006/main" xmlns:r="http://schemas.openxmlformats.org/officeDocument/2006/relationships" xmlns:p="http://schemas.openxmlformats.org/presentationml/2006/main">
-  <p:cSld>
-    <p:bg>
-      <p:bgPr>
-        <a:solidFill>
-          <a:srgbClr val="FFFFFF"/>
-        </a:solidFill>
-        <a:effectLst/>
-      </p:bgPr>
-    </p:bg>
-    <p:spTree>
-      <p:nvGrpSpPr>
-        <p:cNvPr id="1" name=""/>
-        <p:cNvGrpSpPr/>
-        <p:nvPr/>
-      </p:nvGrpSpPr>
-      <p:grpSpPr>
-        <a:xfrm>
-          <a:off x="0" y="0"/>
-          <a:ext cx="0" cy="0"/>
-          <a:chOff x="0" y="0"/>
-          <a:chExt cx="0" cy="0"/>
-        </a:xfrm>
-      </p:grpSpPr>
-      <p:sp>
-        <p:nvSpPr>
-          <p:cNvPr id="7" name="Rectangle 6"/>
-          <p:cNvSpPr>
-            <a:spLocks noGrp="1" noChangeArrowheads="1"/>
-          </p:cNvSpPr>
-          <p:nvPr>
-            <p:ph type="sldNum"/>
-          </p:nvPr>
-        </p:nvSpPr>
-        <p:spPr>
-          <a:ln/>
-        </p:spPr>
-        <p:txBody>
-          <a:bodyPr/>
-          <a:lstStyle/>
-          <a:p>
-            <a:fld id="{FE65D5BA-6752-4191-B319-217ED26BA012}" type="slidenum">
-              <a:rPr lang="en-US"/>
-              <a:pPr/>
-              <a:t>43</a:t>
-            </a:fld>
-            <a:endParaRPr lang="en-US"/>
-          </a:p>
-        </p:txBody>
-      </p:sp>
-      <p:sp>
-        <p:nvSpPr>
-          <p:cNvPr id="30721" name="Rectangle 1"/>
-          <p:cNvSpPr txBox="1">
-            <a:spLocks noChangeArrowheads="1"/>
-          </p:cNvSpPr>
-          <p:nvPr>
-            <p:ph type="sldImg"/>
-          </p:nvPr>
-        </p:nvSpPr>
-        <p:spPr bwMode="auto">
-          <a:xfrm>
-            <a:off x="1210236" y="694171"/>
-            <a:ext cx="4437529" cy="3429000"/>
-          </a:xfrm>
-          <a:prstGeom prst="rect">
-            <a:avLst/>
-          </a:prstGeom>
-          <a:solidFill>
-            <a:srgbClr val="FFFFFF"/>
-          </a:solidFill>
-          <a:ln>
-            <a:solidFill>
-              <a:srgbClr val="000000"/>
-            </a:solidFill>
-            <a:miter lim="800000"/>
-            <a:headEnd/>
-            <a:tailEnd/>
-          </a:ln>
-        </p:spPr>
-      </p:sp>
-      <p:sp>
-        <p:nvSpPr>
-          <p:cNvPr id="30722" name="Rectangle 2"/>
-          <p:cNvSpPr txBox="1">
-            <a:spLocks noChangeArrowheads="1"/>
-          </p:cNvSpPr>
-          <p:nvPr>
-            <p:ph type="body" idx="1"/>
-          </p:nvPr>
-        </p:nvSpPr>
-        <p:spPr bwMode="auto">
-          <a:xfrm>
-            <a:off x="686360" y="4342535"/>
-            <a:ext cx="5486681" cy="4114511"/>
-          </a:xfrm>
-          <a:prstGeom prst="rect">
-            <a:avLst/>
-          </a:prstGeom>
-          <a:noFill/>
-          <a:ln>
-            <a:round/>
-            <a:headEnd/>
-            <a:tailEnd/>
-          </a:ln>
-        </p:spPr>
-        <p:txBody>
-          <a:bodyPr wrap="none" anchor="ctr"/>
-          <a:lstStyle/>
-          <a:p>
-            <a:endParaRPr lang="bg-BG"/>
-          </a:p>
-        </p:txBody>
-      </p:sp>
-    </p:spTree>
-  </p:cSld>
-  <p:clrMapOvr>
-    <a:masterClrMapping/>
-  </p:clrMapOvr>
-</p:notes>
-</file>
-
-<file path=ppt/notesSlides/notesSlide29.xml><?xml version="1.0" encoding="utf-8"?>
-<p:notes xmlns:a="http://schemas.openxmlformats.org/drawingml/2006/main" xmlns:r="http://schemas.openxmlformats.org/officeDocument/2006/relationships" xmlns:p="http://schemas.openxmlformats.org/presentationml/2006/main">
-  <p:cSld>
-    <p:bg>
-      <p:bgPr>
-        <a:solidFill>
-          <a:srgbClr val="FFFFFF"/>
-        </a:solidFill>
-        <a:effectLst/>
-      </p:bgPr>
-    </p:bg>
-    <p:spTree>
-      <p:nvGrpSpPr>
-        <p:cNvPr id="1" name=""/>
-        <p:cNvGrpSpPr/>
-        <p:nvPr/>
-      </p:nvGrpSpPr>
-      <p:grpSpPr>
-        <a:xfrm>
-          <a:off x="0" y="0"/>
-          <a:ext cx="0" cy="0"/>
-          <a:chOff x="0" y="0"/>
-          <a:chExt cx="0" cy="0"/>
-        </a:xfrm>
-      </p:grpSpPr>
-      <p:sp>
-        <p:nvSpPr>
-          <p:cNvPr id="7" name="Rectangle 6"/>
-          <p:cNvSpPr>
-            <a:spLocks noGrp="1" noChangeArrowheads="1"/>
-          </p:cNvSpPr>
-          <p:nvPr>
-            <p:ph type="sldNum"/>
-          </p:nvPr>
-        </p:nvSpPr>
-        <p:spPr>
-          <a:ln/>
-        </p:spPr>
-        <p:txBody>
-          <a:bodyPr/>
-          <a:lstStyle/>
-          <a:p>
-            <a:fld id="{0979300F-B7B5-4BA0-954E-D973635D5D73}" type="slidenum">
-              <a:rPr lang="en-US"/>
-              <a:pPr/>
-              <a:t>44</a:t>
-            </a:fld>
-            <a:endParaRPr lang="en-US"/>
-          </a:p>
-        </p:txBody>
-      </p:sp>
-      <p:sp>
-        <p:nvSpPr>
-          <p:cNvPr id="31745" name="Rectangle 1"/>
-          <p:cNvSpPr txBox="1">
-            <a:spLocks noChangeArrowheads="1"/>
-          </p:cNvSpPr>
-          <p:nvPr>
-            <p:ph type="sldImg"/>
-          </p:nvPr>
-        </p:nvSpPr>
-        <p:spPr bwMode="auto">
-          <a:xfrm>
-            <a:off x="1210236" y="694171"/>
-            <a:ext cx="4437529" cy="3429000"/>
-          </a:xfrm>
-          <a:prstGeom prst="rect">
-            <a:avLst/>
-          </a:prstGeom>
-          <a:solidFill>
-            <a:srgbClr val="FFFFFF"/>
-          </a:solidFill>
-          <a:ln>
-            <a:solidFill>
-              <a:srgbClr val="000000"/>
-            </a:solidFill>
-            <a:miter lim="800000"/>
-            <a:headEnd/>
-            <a:tailEnd/>
-          </a:ln>
-        </p:spPr>
-      </p:sp>
-      <p:sp>
-        <p:nvSpPr>
-          <p:cNvPr id="31746" name="Rectangle 2"/>
-          <p:cNvSpPr txBox="1">
-            <a:spLocks noChangeArrowheads="1"/>
           </p:cNvSpPr>
           <p:nvPr>
             <p:ph type="body" idx="1"/>
@@ -2842,129 +2471,6 @@
           <a:lstStyle/>
           <a:p>
             <a:endParaRPr lang="en-US"/>
-          </a:p>
-        </p:txBody>
-      </p:sp>
-    </p:spTree>
-  </p:cSld>
-  <p:clrMapOvr>
-    <a:masterClrMapping/>
-  </p:clrMapOvr>
-</p:notes>
-</file>
-
-<file path=ppt/notesSlides/notesSlide30.xml><?xml version="1.0" encoding="utf-8"?>
-<p:notes xmlns:a="http://schemas.openxmlformats.org/drawingml/2006/main" xmlns:r="http://schemas.openxmlformats.org/officeDocument/2006/relationships" xmlns:p="http://schemas.openxmlformats.org/presentationml/2006/main">
-  <p:cSld>
-    <p:bg>
-      <p:bgPr>
-        <a:solidFill>
-          <a:srgbClr val="FFFFFF"/>
-        </a:solidFill>
-        <a:effectLst/>
-      </p:bgPr>
-    </p:bg>
-    <p:spTree>
-      <p:nvGrpSpPr>
-        <p:cNvPr id="1" name=""/>
-        <p:cNvGrpSpPr/>
-        <p:nvPr/>
-      </p:nvGrpSpPr>
-      <p:grpSpPr>
-        <a:xfrm>
-          <a:off x="0" y="0"/>
-          <a:ext cx="0" cy="0"/>
-          <a:chOff x="0" y="0"/>
-          <a:chExt cx="0" cy="0"/>
-        </a:xfrm>
-      </p:grpSpPr>
-      <p:sp>
-        <p:nvSpPr>
-          <p:cNvPr id="7" name="Rectangle 6"/>
-          <p:cNvSpPr>
-            <a:spLocks noGrp="1" noChangeArrowheads="1"/>
-          </p:cNvSpPr>
-          <p:nvPr>
-            <p:ph type="sldNum"/>
-          </p:nvPr>
-        </p:nvSpPr>
-        <p:spPr>
-          <a:ln/>
-        </p:spPr>
-        <p:txBody>
-          <a:bodyPr/>
-          <a:lstStyle/>
-          <a:p>
-            <a:fld id="{C7876D0E-D4E8-4A09-B652-A8F59EB0AE59}" type="slidenum">
-              <a:rPr lang="en-US"/>
-              <a:pPr/>
-              <a:t>45</a:t>
-            </a:fld>
-            <a:endParaRPr lang="en-US"/>
-          </a:p>
-        </p:txBody>
-      </p:sp>
-      <p:sp>
-        <p:nvSpPr>
-          <p:cNvPr id="32769" name="Rectangle 1"/>
-          <p:cNvSpPr txBox="1">
-            <a:spLocks noChangeArrowheads="1"/>
-          </p:cNvSpPr>
-          <p:nvPr>
-            <p:ph type="sldImg"/>
-          </p:nvPr>
-        </p:nvSpPr>
-        <p:spPr bwMode="auto">
-          <a:xfrm>
-            <a:off x="1210236" y="694171"/>
-            <a:ext cx="4437529" cy="3429000"/>
-          </a:xfrm>
-          <a:prstGeom prst="rect">
-            <a:avLst/>
-          </a:prstGeom>
-          <a:solidFill>
-            <a:srgbClr val="FFFFFF"/>
-          </a:solidFill>
-          <a:ln>
-            <a:solidFill>
-              <a:srgbClr val="000000"/>
-            </a:solidFill>
-            <a:miter lim="800000"/>
-            <a:headEnd/>
-            <a:tailEnd/>
-          </a:ln>
-        </p:spPr>
-      </p:sp>
-      <p:sp>
-        <p:nvSpPr>
-          <p:cNvPr id="32770" name="Rectangle 2"/>
-          <p:cNvSpPr txBox="1">
-            <a:spLocks noChangeArrowheads="1"/>
-          </p:cNvSpPr>
-          <p:nvPr>
-            <p:ph type="body" idx="1"/>
-          </p:nvPr>
-        </p:nvSpPr>
-        <p:spPr bwMode="auto">
-          <a:xfrm>
-            <a:off x="686360" y="4342535"/>
-            <a:ext cx="5486681" cy="4114511"/>
-          </a:xfrm>
-          <a:prstGeom prst="rect">
-            <a:avLst/>
-          </a:prstGeom>
-          <a:noFill/>
-          <a:ln>
-            <a:round/>
-            <a:headEnd/>
-            <a:tailEnd/>
-          </a:ln>
-        </p:spPr>
-        <p:txBody>
-          <a:bodyPr wrap="none" anchor="ctr"/>
-          <a:lstStyle/>
-          <a:p>
-            <a:endParaRPr lang="bg-BG"/>
           </a:p>
         </p:txBody>
       </p:sp>
@@ -7115,11 +6621,7 @@
           <a:p>
             <a:r>
               <a:rPr lang="en-US" b="1" smtClean="0"/>
-              <a:t>Prepared </a:t>
-            </a:r>
-            <a:r>
-              <a:rPr lang="en-US" b="1" smtClean="0"/>
-              <a:t>by</a:t>
+              <a:t>Prepared by</a:t>
             </a:r>
             <a:r>
               <a:rPr lang="bg-BG" b="1" smtClean="0"/>
@@ -7221,15 +6723,7 @@
           <a:p>
             <a:r>
               <a:rPr lang="en-US" dirty="0" smtClean="0"/>
-              <a:t>Presentation for </a:t>
-            </a:r>
-            <a:r>
-              <a:rPr lang="en-US" dirty="0" smtClean="0"/>
-              <a:t>Operating Systems C</a:t>
-            </a:r>
-            <a:r>
-              <a:rPr lang="en-US" dirty="0" smtClean="0"/>
-              <a:t>ourse</a:t>
+              <a:t>Presentation for Operating Systems Course</a:t>
             </a:r>
             <a:endParaRPr lang="bg-BG" dirty="0"/>
           </a:p>
@@ -7376,7 +6870,7 @@
           <p:nvPr/>
         </p:nvPicPr>
         <p:blipFill>
-          <a:blip r:embed="rId2"/>
+          <a:blip r:embed="rId2" cstate="print"/>
           <a:srcRect/>
           <a:stretch>
             <a:fillRect/>
@@ -7482,74 +6976,28 @@
           <a:p>
             <a:r>
               <a:rPr lang="bg-BG" dirty="0" smtClean="0"/>
-              <a:t>Everything </a:t>
-            </a:r>
+              <a:t>Everything that appears on the screen after Firefox OS starts up is drawn by Gaia. </a:t>
+            </a:r>
+            <a:endParaRPr lang="en-US" dirty="0" smtClean="0"/>
+          </a:p>
+          <a:p>
             <a:r>
               <a:rPr lang="bg-BG" dirty="0" smtClean="0"/>
-              <a:t>that appears on the screen after Firefox OS starts up is drawn by Gaia. </a:t>
+              <a:t>Gaia is written entirely in HTML, CSS, and JavaScript. </a:t>
             </a:r>
             <a:endParaRPr lang="en-US" dirty="0" smtClean="0"/>
           </a:p>
           <a:p>
             <a:r>
               <a:rPr lang="bg-BG" dirty="0" smtClean="0"/>
-              <a:t>Gaia </a:t>
-            </a:r>
+              <a:t>It interfaces with the operating system through Open Web APIs</a:t>
+            </a:r>
+          </a:p>
+          <a:p>
             <a:r>
               <a:rPr lang="bg-BG" dirty="0" smtClean="0"/>
-              <a:t>is written entirely in HTML, CSS, and </a:t>
-            </a:r>
-            <a:r>
-              <a:rPr lang="bg-BG" dirty="0" smtClean="0"/>
-              <a:t>JavaScript. </a:t>
-            </a:r>
-            <a:endParaRPr lang="en-US" dirty="0" smtClean="0"/>
-          </a:p>
-          <a:p>
-            <a:r>
-              <a:rPr lang="bg-BG" dirty="0" smtClean="0"/>
-              <a:t>It </a:t>
-            </a:r>
-            <a:r>
-              <a:rPr lang="bg-BG" dirty="0" smtClean="0"/>
-              <a:t>interfaces with the operating system through Open Web </a:t>
-            </a:r>
-            <a:r>
-              <a:rPr lang="bg-BG" dirty="0" smtClean="0"/>
-              <a:t>APIs</a:t>
-            </a:r>
-            <a:endParaRPr lang="bg-BG" dirty="0" smtClean="0"/>
-          </a:p>
-          <a:p>
-            <a:r>
-              <a:rPr lang="bg-BG" dirty="0" smtClean="0"/>
-              <a:t>Gaia </a:t>
-            </a:r>
-            <a:r>
-              <a:rPr lang="bg-BG" dirty="0" smtClean="0"/>
-              <a:t>can </a:t>
-            </a:r>
-            <a:r>
-              <a:rPr lang="bg-BG" dirty="0" smtClean="0"/>
-              <a:t>be </a:t>
-            </a:r>
-            <a:r>
-              <a:rPr lang="bg-BG" dirty="0" smtClean="0"/>
-              <a:t>run </a:t>
-            </a:r>
-            <a:r>
-              <a:rPr lang="bg-BG" dirty="0" smtClean="0"/>
-              <a:t>on </a:t>
-            </a:r>
-            <a:r>
-              <a:rPr lang="bg-BG" dirty="0" smtClean="0"/>
-              <a:t>other operating systems </a:t>
-            </a:r>
-            <a:r>
-              <a:rPr lang="bg-BG" dirty="0" smtClean="0"/>
-              <a:t>in web browsers</a:t>
-            </a:r>
-            <a:endParaRPr lang="bg-BG" dirty="0" smtClean="0"/>
+              <a:t>Gaia can be run on other operating systems in web browsers</a:t>
+            </a:r>
           </a:p>
         </p:txBody>
       </p:sp>
@@ -7631,11 +7079,7 @@
           <a:p>
             <a:r>
               <a:rPr lang="bg-BG" dirty="0" smtClean="0"/>
-              <a:t>prerelease </a:t>
-            </a:r>
-            <a:r>
-              <a:rPr lang="bg-BG" dirty="0" smtClean="0"/>
-              <a:t>version</a:t>
+              <a:t>prerelease version</a:t>
             </a:r>
             <a:r>
               <a:rPr lang="en-US" dirty="0" smtClean="0"/>
@@ -7660,7 +7104,7 @@
           </p:nvPr>
         </p:nvPicPr>
         <p:blipFill>
-          <a:blip r:embed="rId2"/>
+          <a:blip r:embed="rId2" cstate="print"/>
           <a:stretch>
             <a:fillRect/>
           </a:stretch>
@@ -7710,29 +7154,13 @@
             </a:r>
             <a:r>
               <a:rPr lang="bg-BG" dirty="0" smtClean="0"/>
-              <a:t>imilar to what you see on most </a:t>
-            </a:r>
+              <a:t>imilar to what you see on most typicsmartphone</a:t>
+            </a:r>
+          </a:p>
+          <a:p>
             <a:r>
               <a:rPr lang="bg-BG" dirty="0" smtClean="0"/>
-              <a:t>typic</a:t>
-            </a:r>
-            <a:r>
-              <a:rPr lang="bg-BG" dirty="0" smtClean="0"/>
-              <a:t>smartphone</a:t>
-            </a:r>
-          </a:p>
-          <a:p>
-            <a:r>
-              <a:rPr lang="bg-BG" dirty="0" smtClean="0"/>
-              <a:t>The status bar at the </a:t>
-            </a:r>
-            <a:r>
-              <a:rPr lang="bg-BG" dirty="0" smtClean="0"/>
-              <a:t>top indicates the </a:t>
-            </a:r>
-            <a:r>
-              <a:rPr lang="bg-BG" dirty="0" smtClean="0"/>
-              <a:t>network</a:t>
+              <a:t>The status bar at the top indicates the network</a:t>
             </a:r>
             <a:r>
               <a:rPr lang="en-US" dirty="0" smtClean="0"/>
@@ -7740,11 +7168,7 @@
             </a:r>
             <a:r>
               <a:rPr lang="bg-BG" dirty="0" smtClean="0"/>
-              <a:t> </a:t>
-            </a:r>
-            <a:r>
-              <a:rPr lang="bg-BG" dirty="0" smtClean="0"/>
-              <a:t>the network strength, WiFi signal strength, battery level, and current time.</a:t>
+              <a:t> the network strength, WiFi signal strength, battery level, and current time.</a:t>
             </a:r>
           </a:p>
           <a:p>
@@ -7758,15 +7182,7 @@
             </a:r>
             <a:r>
               <a:rPr lang="bg-BG" dirty="0" smtClean="0"/>
-              <a:t>icons </a:t>
-            </a:r>
-            <a:r>
-              <a:rPr lang="bg-BG" dirty="0" smtClean="0"/>
-              <a:t>for the </a:t>
-            </a:r>
-            <a:r>
-              <a:rPr lang="bg-BG" dirty="0" smtClean="0"/>
-              <a:t>applications</a:t>
+              <a:t>icons for the applications</a:t>
             </a:r>
             <a:endParaRPr lang="en-US" dirty="0" smtClean="0"/>
           </a:p>
@@ -7777,11 +7193,7 @@
             </a:r>
             <a:r>
               <a:rPr lang="bg-BG" dirty="0" smtClean="0"/>
-              <a:t>wiping </a:t>
-            </a:r>
-            <a:r>
-              <a:rPr lang="bg-BG" dirty="0" smtClean="0"/>
-              <a:t>left and right pages through screens of icons.</a:t>
+              <a:t>wiping left and right pages through screens of icons.</a:t>
             </a:r>
           </a:p>
           <a:p>
@@ -7795,17 +7207,8 @@
             </a:r>
             <a:r>
               <a:rPr lang="bg-BG" dirty="0" smtClean="0"/>
-              <a:t>a </a:t>
-            </a:r>
-            <a:r>
-              <a:rPr lang="bg-BG" dirty="0" smtClean="0"/>
-              <a:t>dock with room for up to seven </a:t>
-            </a:r>
-            <a:r>
-              <a:rPr lang="bg-BG" dirty="0" smtClean="0"/>
-              <a:t>mos.</a:t>
-            </a:r>
-            <a:endParaRPr lang="bg-BG" dirty="0" smtClean="0"/>
+              <a:t>a dock with room for up to seven mos.</a:t>
+            </a:r>
           </a:p>
           <a:p>
             <a:endParaRPr lang="bg-BG" dirty="0"/>
@@ -7984,7 +7387,6 @@
               <a:rPr lang="en-US" dirty="0" smtClean="0"/>
               <a:t> Screen</a:t>
             </a:r>
-            <a:endParaRPr lang="en-US" dirty="0" smtClean="0"/>
           </a:p>
           <a:p>
             <a:r>
@@ -7993,13 +7395,8 @@
             </a:r>
             <a:r>
               <a:rPr lang="en-US" dirty="0" smtClean="0"/>
-              <a:t> </a:t>
-            </a:r>
-            <a:r>
-              <a:rPr lang="en-US" dirty="0" smtClean="0"/>
-              <a:t>Screen</a:t>
-            </a:r>
-            <a:endParaRPr lang="en-US" dirty="0" smtClean="0"/>
+              <a:t> Screen</a:t>
+            </a:r>
           </a:p>
           <a:p>
             <a:r>
@@ -8018,11 +7415,7 @@
           <a:p>
             <a:r>
               <a:rPr lang="bg-BG" dirty="0" smtClean="0"/>
-              <a:t>PDF </a:t>
-            </a:r>
-            <a:r>
-              <a:rPr lang="bg-BG" dirty="0" smtClean="0"/>
-              <a:t>Viewer</a:t>
+              <a:t>PDF Viewer</a:t>
             </a:r>
             <a:endParaRPr lang="en-US" dirty="0" smtClean="0"/>
           </a:p>
@@ -9978,19 +9371,7 @@
             </a:r>
             <a:r>
               <a:rPr lang="bg-BG" dirty="0" smtClean="0"/>
-              <a:t>Firefox OS </a:t>
-            </a:r>
-            <a:r>
-              <a:rPr lang="bg-BG" dirty="0" smtClean="0"/>
-              <a:t>(Boot </a:t>
-            </a:r>
-            <a:r>
-              <a:rPr lang="bg-BG" dirty="0" smtClean="0"/>
-              <a:t>to </a:t>
-            </a:r>
-            <a:r>
-              <a:rPr lang="bg-BG" dirty="0" smtClean="0"/>
-              <a:t>Gecko)</a:t>
+              <a:t>Firefox OS (Boot to Gecko)</a:t>
             </a:r>
             <a:endParaRPr lang="bg-BG" dirty="0"/>
           </a:p>
@@ -10020,15 +9401,7 @@
           <a:p>
             <a:r>
               <a:rPr lang="bg-BG" dirty="0" smtClean="0"/>
-              <a:t>Mozilla's </a:t>
-            </a:r>
-            <a:r>
-              <a:rPr lang="bg-BG" dirty="0" smtClean="0"/>
-              <a:t>open source mobile operating </a:t>
-            </a:r>
-            <a:r>
-              <a:rPr lang="bg-BG" dirty="0" smtClean="0"/>
-              <a:t>system</a:t>
+              <a:t>Mozilla's open source mobile operating system</a:t>
             </a:r>
             <a:endParaRPr lang="en-US" dirty="0" smtClean="0"/>
           </a:p>
@@ -10039,15 +9412,7 @@
             </a:r>
             <a:r>
               <a:rPr lang="bg-BG" dirty="0" smtClean="0"/>
-              <a:t>ses </a:t>
-            </a:r>
-            <a:r>
-              <a:rPr lang="bg-BG" dirty="0" smtClean="0"/>
-              <a:t>a Linux </a:t>
-            </a:r>
-            <a:r>
-              <a:rPr lang="bg-BG" dirty="0" smtClean="0"/>
-              <a:t>kernel</a:t>
+              <a:t>ses a Linux kernel</a:t>
             </a:r>
             <a:endParaRPr lang="en-US" dirty="0" smtClean="0"/>
           </a:p>
@@ -10058,15 +9423,7 @@
             </a:r>
             <a:r>
               <a:rPr lang="bg-BG" dirty="0" smtClean="0"/>
-              <a:t>oots into </a:t>
-            </a:r>
-            <a:r>
-              <a:rPr lang="bg-BG" dirty="0" smtClean="0"/>
-              <a:t>a Gecko-based runtime </a:t>
-            </a:r>
-            <a:r>
-              <a:rPr lang="bg-BG" dirty="0" smtClean="0"/>
-              <a:t>engine</a:t>
+              <a:t>oots into a Gecko-based runtime engine</a:t>
             </a:r>
             <a:endParaRPr lang="en-US" dirty="0" smtClean="0"/>
           </a:p>
@@ -10085,11 +9442,7 @@
             </a:r>
             <a:r>
               <a:rPr lang="bg-BG" dirty="0" smtClean="0"/>
-              <a:t>developed </a:t>
-            </a:r>
-            <a:r>
-              <a:rPr lang="bg-BG" dirty="0" smtClean="0"/>
-              <a:t>entirely using </a:t>
+              <a:t>developed entirely using </a:t>
             </a:r>
             <a:r>
               <a:rPr lang="en-US" dirty="0" smtClean="0"/>
@@ -10097,11 +9450,7 @@
             </a:r>
             <a:r>
               <a:rPr lang="bg-BG" dirty="0" smtClean="0"/>
-              <a:t>HTML</a:t>
-            </a:r>
-            <a:r>
-              <a:rPr lang="bg-BG" dirty="0" smtClean="0"/>
-              <a:t>, JavaScript, and other open web application APIs. </a:t>
+              <a:t>HTML, JavaScript, and other open web application APIs. </a:t>
             </a:r>
           </a:p>
           <a:p>
@@ -10111,15 +9460,7 @@
             </a:r>
             <a:r>
               <a:rPr lang="bg-BG" dirty="0" smtClean="0"/>
-              <a:t>he </a:t>
-            </a:r>
-            <a:r>
-              <a:rPr lang="bg-BG" dirty="0" smtClean="0"/>
-              <a:t>entire user interface is a Web </a:t>
-            </a:r>
-            <a:r>
-              <a:rPr lang="bg-BG" dirty="0" smtClean="0"/>
-              <a:t>app</a:t>
+              <a:t>he entire user interface is a Web app</a:t>
             </a:r>
             <a:endParaRPr lang="en-US" dirty="0" smtClean="0"/>
           </a:p>
@@ -10130,15 +9471,7 @@
             </a:r>
             <a:r>
               <a:rPr lang="bg-BG" dirty="0" smtClean="0"/>
-              <a:t>apps don't </a:t>
-            </a:r>
-            <a:r>
-              <a:rPr lang="bg-BG" dirty="0" smtClean="0"/>
-              <a:t>have to reside on the device, they can "live" on the </a:t>
-            </a:r>
-            <a:r>
-              <a:rPr lang="bg-BG" dirty="0" smtClean="0"/>
-              <a:t>we</a:t>
+              <a:t>apps don't have to reside on the device, they can "live" on the we</a:t>
             </a:r>
             <a:r>
               <a:rPr lang="en-US" dirty="0" smtClean="0"/>
@@ -10153,17 +9486,8 @@
             </a:r>
             <a:r>
               <a:rPr lang="bg-BG" dirty="0" smtClean="0"/>
-              <a:t>don't </a:t>
-            </a:r>
-            <a:r>
-              <a:rPr lang="bg-BG" dirty="0" smtClean="0"/>
-              <a:t>have to install an app to use </a:t>
-            </a:r>
-            <a:r>
-              <a:rPr lang="bg-BG" dirty="0" smtClean="0"/>
-              <a:t>it</a:t>
-            </a:r>
-            <a:endParaRPr lang="bg-BG" dirty="0" smtClean="0"/>
+              <a:t>don't have to install an app to use it</a:t>
+            </a:r>
           </a:p>
         </p:txBody>
       </p:sp>
@@ -13647,26 +12971,14 @@
           <a:p>
             <a:r>
               <a:rPr lang="en-US" dirty="0" smtClean="0"/>
-              <a:t>It </a:t>
-            </a:r>
-            <a:r>
-              <a:rPr lang="en-US" dirty="0" smtClean="0"/>
-              <a:t>should be possible to port Firefox OS to most recent ARM-based mobile </a:t>
-            </a:r>
-            <a:r>
-              <a:rPr lang="en-US" dirty="0" smtClean="0"/>
-              <a:t>devices</a:t>
+              <a:t>It should be possible to port Firefox OS to most recent ARM-based mobile devices</a:t>
             </a:r>
             <a:endParaRPr lang="bg-BG" dirty="0" smtClean="0"/>
           </a:p>
           <a:p>
             <a:r>
               <a:rPr lang="bg-BG" dirty="0" smtClean="0"/>
-              <a:t>Firefox </a:t>
-            </a:r>
-            <a:r>
-              <a:rPr lang="bg-BG" dirty="0" smtClean="0"/>
-              <a:t>OS is compatible with devices including: Otoro, PandaBoard, Emulator (ARM and x86), Desktop, Nexus S, Nexus S 4G, Samsung Galaxy S II, and Galaxy Nexus, Raspbery Pi</a:t>
+              <a:t>Firefox OS is compatible with devices including: Otoro, PandaBoard, Emulator (ARM and x86), Desktop, Nexus S, Nexus S 4G, Samsung Galaxy S II, and Galaxy Nexus, Raspbery Pi</a:t>
             </a:r>
           </a:p>
           <a:p>
@@ -13805,7 +13117,7 @@
           </p:nvPr>
         </p:nvPicPr>
         <p:blipFill>
-          <a:blip r:embed="rId3"/>
+          <a:blip r:embed="rId3" cstate="print"/>
           <a:srcRect/>
           <a:stretch>
             <a:fillRect/>
@@ -13838,7 +13150,7 @@
   <p:timing>
     <p:tnLst>
       <p:par>
-        <p:cTn id="1" dur="indefinite" nodeType="tmRoot">
+        <p:cTn id="1" dur="indefinite" restart="never" nodeType="tmRoot">
           <p:childTnLst>
             <p:seq concurrent="1" nextAc="seek">
               <p:cTn id="2" dur="0" nodeType="mainSeq"/>
@@ -13982,7 +13294,7 @@
   <p:timing>
     <p:tnLst>
       <p:par>
-        <p:cTn id="1" dur="indefinite" nodeType="tmRoot">
+        <p:cTn id="1" dur="indefinite" restart="never" nodeType="tmRoot">
           <p:childTnLst>
             <p:seq concurrent="1" nextAc="seek">
               <p:cTn id="2" dur="0" nodeType="mainSeq"/>
@@ -14249,7 +13561,7 @@
   <p:timing>
     <p:tnLst>
       <p:par>
-        <p:cTn id="1" dur="indefinite" nodeType="tmRoot">
+        <p:cTn id="1" dur="indefinite" restart="never" nodeType="tmRoot">
           <p:childTnLst>
             <p:seq concurrent="1" nextAc="seek">
               <p:cTn id="2" dur="0" nodeType="mainSeq"/>
@@ -14295,7 +13607,7 @@
       </p:grpSpPr>
       <p:sp>
         <p:nvSpPr>
-          <p:cNvPr id="6145" name="Rectangle 1"/>
+          <p:cNvPr id="8193" name="Rectangle 1"/>
           <p:cNvSpPr>
             <a:spLocks noGrp="1" noChangeArrowheads="1"/>
           </p:cNvSpPr>
@@ -14332,22 +13644,14 @@
             </a:pPr>
             <a:r>
               <a:rPr lang="en-US" dirty="0"/>
-              <a:t>Trusted and </a:t>
-            </a:r>
-            <a:r>
-              <a:rPr lang="en-US" dirty="0" err="1"/>
-              <a:t>Untrusted</a:t>
-            </a:r>
-            <a:r>
-              <a:rPr lang="en-US" dirty="0"/>
-              <a:t> Apps</a:t>
-            </a:r>
-          </a:p>
-        </p:txBody>
-      </p:sp>
-      <p:sp>
-        <p:nvSpPr>
-          <p:cNvPr id="6146" name="Rectangle 2"/>
+              <a:t>Security Infrastructure</a:t>
+            </a:r>
+          </a:p>
+        </p:txBody>
+      </p:sp>
+      <p:sp>
+        <p:nvSpPr>
+          <p:cNvPr id="8194" name="Rectangle 2"/>
           <p:cNvSpPr>
             <a:spLocks noGrp="1" noChangeArrowheads="1"/>
           </p:cNvSpPr>
@@ -14366,82 +13670,43 @@
           <a:bodyPr lIns="82945" tIns="41473" rIns="82945" bIns="41473"/>
           <a:lstStyle/>
           <a:p>
-            <a:pPr marL="391686" indent="-293764">
-              <a:buSzPct val="45000"/>
-              <a:buFont typeface="StarSymbol" charset="0"/>
-              <a:buChar char="●"/>
-              <a:tabLst>
-                <a:tab pos="656650" algn="l"/>
-                <a:tab pos="1313299" algn="l"/>
-                <a:tab pos="1969949" algn="l"/>
-                <a:tab pos="2626599" algn="l"/>
-                <a:tab pos="3283248" algn="l"/>
-                <a:tab pos="3939898" algn="l"/>
-                <a:tab pos="4596548" algn="l"/>
-                <a:tab pos="5253198" algn="l"/>
-                <a:tab pos="5909847" algn="l"/>
-                <a:tab pos="6566497" algn="l"/>
-                <a:tab pos="7223147" algn="l"/>
-                <a:tab pos="7879796" algn="l"/>
-              </a:tabLst>
-            </a:pPr>
-            <a:r>
-              <a:rPr lang="en-US" dirty="0"/>
-              <a:t>Certified</a:t>
-            </a:r>
-          </a:p>
-          <a:p>
-            <a:pPr marL="391686" indent="-293764">
-              <a:buSzPct val="45000"/>
-              <a:buFont typeface="StarSymbol" charset="0"/>
-              <a:buChar char="●"/>
-              <a:tabLst>
-                <a:tab pos="656650" algn="l"/>
-                <a:tab pos="1313299" algn="l"/>
-                <a:tab pos="1969949" algn="l"/>
-                <a:tab pos="2626599" algn="l"/>
-                <a:tab pos="3283248" algn="l"/>
-                <a:tab pos="3939898" algn="l"/>
-                <a:tab pos="4596548" algn="l"/>
-                <a:tab pos="5253198" algn="l"/>
-                <a:tab pos="5909847" algn="l"/>
-                <a:tab pos="6566497" algn="l"/>
-                <a:tab pos="7223147" algn="l"/>
-                <a:tab pos="7879796" algn="l"/>
-              </a:tabLst>
-            </a:pPr>
-            <a:r>
-              <a:rPr lang="en-US" dirty="0"/>
-              <a:t>Privileged</a:t>
-            </a:r>
-          </a:p>
-          <a:p>
-            <a:pPr marL="391686" indent="-293764">
-              <a:buSzPct val="45000"/>
-              <a:buFont typeface="StarSymbol" charset="0"/>
-              <a:buChar char="●"/>
-              <a:tabLst>
-                <a:tab pos="656650" algn="l"/>
-                <a:tab pos="1313299" algn="l"/>
-                <a:tab pos="1969949" algn="l"/>
-                <a:tab pos="2626599" algn="l"/>
-                <a:tab pos="3283248" algn="l"/>
-                <a:tab pos="3939898" algn="l"/>
-                <a:tab pos="4596548" algn="l"/>
-                <a:tab pos="5253198" algn="l"/>
-                <a:tab pos="5909847" algn="l"/>
-                <a:tab pos="6566497" algn="l"/>
-                <a:tab pos="7223147" algn="l"/>
-                <a:tab pos="7879796" algn="l"/>
-              </a:tabLst>
-            </a:pPr>
-            <a:r>
-              <a:rPr lang="en-US" dirty="0"/>
-              <a:t>Web (everything else)</a:t>
-            </a:r>
-          </a:p>
-        </p:txBody>
-      </p:sp>
+            <a:endParaRPr lang="bg-BG"/>
+          </a:p>
+        </p:txBody>
+      </p:sp>
+      <p:pic>
+        <p:nvPicPr>
+          <p:cNvPr id="8195" name="Picture 3"/>
+          <p:cNvPicPr>
+            <a:picLocks noChangeAspect="1" noChangeArrowheads="1"/>
+          </p:cNvPicPr>
+          <p:nvPr/>
+        </p:nvPicPr>
+        <p:blipFill>
+          <a:blip r:embed="rId3" cstate="print"/>
+          <a:srcRect/>
+          <a:stretch>
+            <a:fillRect/>
+          </a:stretch>
+        </p:blipFill>
+        <p:spPr bwMode="auto">
+          <a:xfrm>
+            <a:off x="457200" y="1371600"/>
+            <a:ext cx="8458560" cy="5106776"/>
+          </a:xfrm>
+          <a:prstGeom prst="rect">
+            <a:avLst/>
+          </a:prstGeom>
+          <a:noFill/>
+          <a:ln w="9525">
+            <a:noFill/>
+            <a:round/>
+            <a:headEnd/>
+            <a:tailEnd/>
+          </a:ln>
+          <a:effectLst/>
+        </p:spPr>
+      </p:pic>
     </p:spTree>
   </p:cSld>
   <p:clrMapOvr>
@@ -14451,7 +13716,7 @@
   <p:timing>
     <p:tnLst>
       <p:par>
-        <p:cTn id="1" dur="indefinite" nodeType="tmRoot">
+        <p:cTn id="1" dur="indefinite" restart="never" nodeType="tmRoot">
           <p:childTnLst>
             <p:seq concurrent="1" nextAc="seek">
               <p:cTn id="2" dur="0" nodeType="mainSeq"/>
@@ -14497,7 +13762,7 @@
       </p:grpSpPr>
       <p:sp>
         <p:nvSpPr>
-          <p:cNvPr id="7169" name="Rectangle 1"/>
+          <p:cNvPr id="9217" name="Rectangle 1"/>
           <p:cNvSpPr>
             <a:spLocks noGrp="1" noChangeArrowheads="1"/>
           </p:cNvSpPr>
@@ -14506,10 +13771,6 @@
           </p:nvPr>
         </p:nvSpPr>
         <p:spPr>
-          <a:xfrm>
-            <a:off x="456481" y="273629"/>
-            <a:ext cx="8228160" cy="1144921"/>
-          </a:xfrm>
           <a:ln/>
         </p:spPr>
         <p:txBody>
@@ -14534,83 +13795,46 @@
             </a:pPr>
             <a:r>
               <a:rPr lang="en-US" dirty="0"/>
-              <a:t>Hosted Apps</a:t>
-            </a:r>
-          </a:p>
-        </p:txBody>
-      </p:sp>
-      <p:sp>
-        <p:nvSpPr>
-          <p:cNvPr id="7170" name="Rectangle 2"/>
-          <p:cNvSpPr>
-            <a:spLocks noGrp="1" noChangeArrowheads="1"/>
-          </p:cNvSpPr>
-          <p:nvPr>
-            <p:ph type="body" idx="1"/>
-          </p:nvPr>
-        </p:nvSpPr>
-        <p:spPr>
+              <a:t>Secure App Update Process</a:t>
+            </a:r>
+          </a:p>
+        </p:txBody>
+      </p:sp>
+      <p:pic>
+        <p:nvPicPr>
+          <p:cNvPr id="6" name="Picture 3"/>
+          <p:cNvPicPr>
+            <a:picLocks noGrp="1" noChangeAspect="1" noChangeArrowheads="1"/>
+          </p:cNvPicPr>
+          <p:nvPr>
+            <p:ph idx="1"/>
+          </p:nvPr>
+        </p:nvPicPr>
+        <p:blipFill>
+          <a:blip r:embed="rId3" cstate="print"/>
+          <a:srcRect/>
+          <a:stretch>
+            <a:fillRect/>
+          </a:stretch>
+        </p:blipFill>
+        <p:spPr bwMode="auto">
           <a:xfrm>
-            <a:off x="456480" y="1604329"/>
-            <a:ext cx="8045280" cy="3977698"/>
+            <a:off x="838200" y="3352800"/>
+            <a:ext cx="7467600" cy="778034"/>
           </a:xfrm>
-          <a:ln/>
+          <a:prstGeom prst="rect">
+            <a:avLst/>
+          </a:prstGeom>
+          <a:noFill/>
+          <a:ln w="9525">
+            <a:noFill/>
+            <a:round/>
+            <a:headEnd/>
+            <a:tailEnd/>
+          </a:ln>
+          <a:effectLst/>
         </p:spPr>
-        <p:txBody>
-          <a:bodyPr lIns="82945" tIns="41473" rIns="82945" bIns="41473"/>
-          <a:lstStyle/>
-          <a:p>
-            <a:pPr marL="391686" indent="-293764">
-              <a:buSzPct val="45000"/>
-              <a:buFont typeface="StarSymbol" charset="0"/>
-              <a:buChar char="●"/>
-              <a:tabLst>
-                <a:tab pos="656650" algn="l"/>
-                <a:tab pos="1313299" algn="l"/>
-                <a:tab pos="1969949" algn="l"/>
-                <a:tab pos="2626599" algn="l"/>
-                <a:tab pos="3283248" algn="l"/>
-                <a:tab pos="3939898" algn="l"/>
-                <a:tab pos="4596548" algn="l"/>
-                <a:tab pos="5253198" algn="l"/>
-                <a:tab pos="5909847" algn="l"/>
-                <a:tab pos="6566497" algn="l"/>
-                <a:tab pos="7223147" algn="l"/>
-                <a:tab pos="7879796" algn="l"/>
-              </a:tabLst>
-            </a:pPr>
-            <a:r>
-              <a:rPr lang="en-US" dirty="0"/>
-              <a:t>Located on a web server</a:t>
-            </a:r>
-          </a:p>
-          <a:p>
-            <a:pPr marL="391686" indent="-293764">
-              <a:buSzPct val="45000"/>
-              <a:buFont typeface="StarSymbol" charset="0"/>
-              <a:buChar char="●"/>
-              <a:tabLst>
-                <a:tab pos="656650" algn="l"/>
-                <a:tab pos="1313299" algn="l"/>
-                <a:tab pos="1969949" algn="l"/>
-                <a:tab pos="2626599" algn="l"/>
-                <a:tab pos="3283248" algn="l"/>
-                <a:tab pos="3939898" algn="l"/>
-                <a:tab pos="4596548" algn="l"/>
-                <a:tab pos="5253198" algn="l"/>
-                <a:tab pos="5909847" algn="l"/>
-                <a:tab pos="6566497" algn="l"/>
-                <a:tab pos="7223147" algn="l"/>
-                <a:tab pos="7879796" algn="l"/>
-              </a:tabLst>
-            </a:pPr>
-            <a:r>
-              <a:rPr lang="en-US" dirty="0"/>
-              <a:t>Loaded via HTTP</a:t>
-            </a:r>
-          </a:p>
-        </p:txBody>
-      </p:sp>
+      </p:pic>
     </p:spTree>
   </p:cSld>
   <p:clrMapOvr>
@@ -14620,7 +13844,7 @@
   <p:timing>
     <p:tnLst>
       <p:par>
-        <p:cTn id="1" dur="indefinite" nodeType="tmRoot">
+        <p:cTn id="1" dur="indefinite" restart="never" nodeType="tmRoot">
           <p:childTnLst>
             <p:seq concurrent="1" nextAc="seek">
               <p:cTn id="2" dur="0" nodeType="mainSeq"/>
@@ -14666,7 +13890,7 @@
       </p:grpSpPr>
       <p:sp>
         <p:nvSpPr>
-          <p:cNvPr id="8193" name="Rectangle 1"/>
+          <p:cNvPr id="10241" name="Rectangle 1"/>
           <p:cNvSpPr>
             <a:spLocks noGrp="1" noChangeArrowheads="1"/>
           </p:cNvSpPr>
@@ -14682,7 +13906,9 @@
           <a:ln/>
         </p:spPr>
         <p:txBody>
-          <a:bodyPr tIns="35203" bIns="41473"/>
+          <a:bodyPr tIns="35203" bIns="41473">
+            <a:normAutofit fontScale="90000"/>
+          </a:bodyPr>
           <a:lstStyle/>
           <a:p>
             <a:pPr>
@@ -14703,14 +13929,14 @@
             </a:pPr>
             <a:r>
               <a:rPr lang="en-US" dirty="0"/>
-              <a:t>Security Infrastructure</a:t>
-            </a:r>
-          </a:p>
-        </p:txBody>
-      </p:sp>
-      <p:sp>
-        <p:nvSpPr>
-          <p:cNvPr id="8194" name="Rectangle 2"/>
+              <a:t>Goals and scope of the Firefox OS system security model</a:t>
+            </a:r>
+          </a:p>
+        </p:txBody>
+      </p:sp>
+      <p:sp>
+        <p:nvSpPr>
+          <p:cNvPr id="10242" name="Rectangle 2"/>
           <p:cNvSpPr>
             <a:spLocks noGrp="1" noChangeArrowheads="1"/>
           </p:cNvSpPr>
@@ -14726,46 +13952,185 @@
           <a:ln/>
         </p:spPr>
         <p:txBody>
-          <a:bodyPr lIns="82945" tIns="41473" rIns="82945" bIns="41473"/>
+          <a:bodyPr lIns="82945" tIns="41473" rIns="82945" bIns="41473">
+            <a:normAutofit fontScale="85000" lnSpcReduction="10000"/>
+          </a:bodyPr>
           <a:lstStyle/>
           <a:p>
-            <a:endParaRPr lang="bg-BG"/>
-          </a:p>
-        </p:txBody>
-      </p:sp>
-      <p:pic>
-        <p:nvPicPr>
-          <p:cNvPr id="8195" name="Picture 3"/>
-          <p:cNvPicPr>
-            <a:picLocks noChangeAspect="1" noChangeArrowheads="1"/>
-          </p:cNvPicPr>
-          <p:nvPr/>
-        </p:nvPicPr>
-        <p:blipFill>
-          <a:blip r:embed="rId3"/>
-          <a:srcRect/>
-          <a:stretch>
-            <a:fillRect/>
-          </a:stretch>
-        </p:blipFill>
-        <p:spPr bwMode="auto">
-          <a:xfrm>
-            <a:off x="457200" y="1371600"/>
-            <a:ext cx="8458560" cy="5106776"/>
-          </a:xfrm>
-          <a:prstGeom prst="rect">
-            <a:avLst/>
-          </a:prstGeom>
-          <a:noFill/>
-          <a:ln w="9525">
-            <a:noFill/>
-            <a:round/>
-            <a:headEnd/>
-            <a:tailEnd/>
-          </a:ln>
-          <a:effectLst/>
-        </p:spPr>
-      </p:pic>
+            <a:pPr marL="391686" indent="-293764">
+              <a:buSzPct val="45000"/>
+              <a:buNone/>
+              <a:tabLst>
+                <a:tab pos="656650" algn="l"/>
+                <a:tab pos="1313299" algn="l"/>
+                <a:tab pos="1969949" algn="l"/>
+                <a:tab pos="2626599" algn="l"/>
+                <a:tab pos="3283248" algn="l"/>
+                <a:tab pos="3939898" algn="l"/>
+                <a:tab pos="4596548" algn="l"/>
+                <a:tab pos="5253198" algn="l"/>
+                <a:tab pos="5909847" algn="l"/>
+                <a:tab pos="6566497" algn="l"/>
+                <a:tab pos="7223147" algn="l"/>
+                <a:tab pos="7879796" algn="l"/>
+              </a:tabLst>
+            </a:pPr>
+            <a:endParaRPr lang="en-US" dirty="0"/>
+          </a:p>
+          <a:p>
+            <a:pPr marL="391686" indent="-293764">
+              <a:buSzPct val="45000"/>
+              <a:buFont typeface="StarSymbol" charset="0"/>
+              <a:buChar char="●"/>
+              <a:tabLst>
+                <a:tab pos="656650" algn="l"/>
+                <a:tab pos="1313299" algn="l"/>
+                <a:tab pos="1969949" algn="l"/>
+                <a:tab pos="2626599" algn="l"/>
+                <a:tab pos="3283248" algn="l"/>
+                <a:tab pos="3939898" algn="l"/>
+                <a:tab pos="4596548" algn="l"/>
+                <a:tab pos="5253198" algn="l"/>
+                <a:tab pos="5909847" algn="l"/>
+                <a:tab pos="6566497" algn="l"/>
+                <a:tab pos="7223147" algn="l"/>
+                <a:tab pos="7879796" algn="l"/>
+              </a:tabLst>
+            </a:pPr>
+            <a:r>
+              <a:rPr lang="en-US" dirty="0"/>
+              <a:t>    Limit and enforce the scope of resources that can be accessed or used by a web application.</a:t>
+            </a:r>
+          </a:p>
+          <a:p>
+            <a:pPr marL="391686" indent="-293764">
+              <a:buSzPct val="45000"/>
+              <a:buFont typeface="StarSymbol" charset="0"/>
+              <a:buChar char="●"/>
+              <a:tabLst>
+                <a:tab pos="656650" algn="l"/>
+                <a:tab pos="1313299" algn="l"/>
+                <a:tab pos="1969949" algn="l"/>
+                <a:tab pos="2626599" algn="l"/>
+                <a:tab pos="3283248" algn="l"/>
+                <a:tab pos="3939898" algn="l"/>
+                <a:tab pos="4596548" algn="l"/>
+                <a:tab pos="5253198" algn="l"/>
+                <a:tab pos="5909847" algn="l"/>
+                <a:tab pos="6566497" algn="l"/>
+                <a:tab pos="7223147" algn="l"/>
+                <a:tab pos="7879796" algn="l"/>
+              </a:tabLst>
+            </a:pPr>
+            <a:r>
+              <a:rPr lang="en-US" dirty="0"/>
+              <a:t>    Ensure several layers of security are being correctly used in the operating system.</a:t>
+            </a:r>
+          </a:p>
+          <a:p>
+            <a:pPr marL="391686" indent="-293764">
+              <a:buSzPct val="45000"/>
+              <a:buFont typeface="StarSymbol" charset="0"/>
+              <a:buChar char="●"/>
+              <a:tabLst>
+                <a:tab pos="656650" algn="l"/>
+                <a:tab pos="1313299" algn="l"/>
+                <a:tab pos="1969949" algn="l"/>
+                <a:tab pos="2626599" algn="l"/>
+                <a:tab pos="3283248" algn="l"/>
+                <a:tab pos="3939898" algn="l"/>
+                <a:tab pos="4596548" algn="l"/>
+                <a:tab pos="5253198" algn="l"/>
+                <a:tab pos="5909847" algn="l"/>
+                <a:tab pos="6566497" algn="l"/>
+                <a:tab pos="7223147" algn="l"/>
+                <a:tab pos="7879796" algn="l"/>
+              </a:tabLst>
+            </a:pPr>
+            <a:r>
+              <a:rPr lang="en-US" dirty="0"/>
+              <a:t>    Limit and contain the impact of vulnerabilities caused by security bugs, from the </a:t>
+            </a:r>
+            <a:r>
+              <a:rPr lang="en-US" dirty="0" err="1"/>
+              <a:t>Gonk</a:t>
+            </a:r>
+            <a:r>
+              <a:rPr lang="en-US" dirty="0"/>
+              <a:t> layer.</a:t>
+            </a:r>
+          </a:p>
+          <a:p>
+            <a:pPr marL="391686" indent="-293764">
+              <a:buSzPct val="45000"/>
+              <a:buFont typeface="StarSymbol" charset="0"/>
+              <a:buChar char="●"/>
+              <a:tabLst>
+                <a:tab pos="656650" algn="l"/>
+                <a:tab pos="1313299" algn="l"/>
+                <a:tab pos="1969949" algn="l"/>
+                <a:tab pos="2626599" algn="l"/>
+                <a:tab pos="3283248" algn="l"/>
+                <a:tab pos="3939898" algn="l"/>
+                <a:tab pos="4596548" algn="l"/>
+                <a:tab pos="5253198" algn="l"/>
+                <a:tab pos="5909847" algn="l"/>
+                <a:tab pos="6566497" algn="l"/>
+                <a:tab pos="7223147" algn="l"/>
+                <a:tab pos="7879796" algn="l"/>
+              </a:tabLst>
+            </a:pPr>
+            <a:r>
+              <a:rPr lang="en-US" dirty="0"/>
+              <a:t>    Web application permissions and any application related security feature is detailed in the Application Security model.</a:t>
+            </a:r>
+          </a:p>
+          <a:p>
+            <a:pPr marL="391686" indent="-293764">
+              <a:buSzPct val="45000"/>
+              <a:buFont typeface="StarSymbol" charset="0"/>
+              <a:buChar char="●"/>
+              <a:tabLst>
+                <a:tab pos="656650" algn="l"/>
+                <a:tab pos="1313299" algn="l"/>
+                <a:tab pos="1969949" algn="l"/>
+                <a:tab pos="2626599" algn="l"/>
+                <a:tab pos="3283248" algn="l"/>
+                <a:tab pos="3939898" algn="l"/>
+                <a:tab pos="4596548" algn="l"/>
+                <a:tab pos="5253198" algn="l"/>
+                <a:tab pos="5909847" algn="l"/>
+                <a:tab pos="6566497" algn="l"/>
+                <a:tab pos="7223147" algn="l"/>
+                <a:tab pos="7879796" algn="l"/>
+              </a:tabLst>
+            </a:pPr>
+            <a:endParaRPr lang="en-US" dirty="0"/>
+          </a:p>
+          <a:p>
+            <a:pPr marL="391686" indent="-293764">
+              <a:buSzPct val="45000"/>
+              <a:buFont typeface="StarSymbol" charset="0"/>
+              <a:buChar char="●"/>
+              <a:tabLst>
+                <a:tab pos="656650" algn="l"/>
+                <a:tab pos="1313299" algn="l"/>
+                <a:tab pos="1969949" algn="l"/>
+                <a:tab pos="2626599" algn="l"/>
+                <a:tab pos="3283248" algn="l"/>
+                <a:tab pos="3939898" algn="l"/>
+                <a:tab pos="4596548" algn="l"/>
+                <a:tab pos="5253198" algn="l"/>
+                <a:tab pos="5909847" algn="l"/>
+                <a:tab pos="6566497" algn="l"/>
+                <a:tab pos="7223147" algn="l"/>
+                <a:tab pos="7879796" algn="l"/>
+              </a:tabLst>
+            </a:pPr>
+            <a:endParaRPr lang="en-US" dirty="0"/>
+          </a:p>
+        </p:txBody>
+      </p:sp>
     </p:spTree>
   </p:cSld>
   <p:clrMapOvr>
@@ -14775,7 +14140,7 @@
   <p:timing>
     <p:tnLst>
       <p:par>
-        <p:cTn id="1" dur="indefinite" nodeType="tmRoot">
+        <p:cTn id="1" dur="indefinite" restart="never" nodeType="tmRoot">
           <p:childTnLst>
             <p:seq concurrent="1" nextAc="seek">
               <p:cTn id="2" dur="0" nodeType="mainSeq"/>
@@ -14821,7 +14186,7 @@
       </p:grpSpPr>
       <p:sp>
         <p:nvSpPr>
-          <p:cNvPr id="9217" name="Rectangle 1"/>
+          <p:cNvPr id="11265" name="Rectangle 1"/>
           <p:cNvSpPr>
             <a:spLocks noGrp="1" noChangeArrowheads="1"/>
           </p:cNvSpPr>
@@ -14830,6 +14195,10 @@
           </p:nvPr>
         </p:nvSpPr>
         <p:spPr>
+          <a:xfrm>
+            <a:off x="456481" y="273629"/>
+            <a:ext cx="8228160" cy="1144921"/>
+          </a:xfrm>
           <a:ln/>
         </p:spPr>
         <p:txBody>
@@ -14854,46 +14223,210 @@
             </a:pPr>
             <a:r>
               <a:rPr lang="en-US" dirty="0"/>
-              <a:t>Secure App Update Process</a:t>
-            </a:r>
-          </a:p>
-        </p:txBody>
-      </p:sp>
-      <p:pic>
-        <p:nvPicPr>
-          <p:cNvPr id="6" name="Picture 3"/>
-          <p:cNvPicPr>
-            <a:picLocks noGrp="1" noChangeAspect="1" noChangeArrowheads="1"/>
-          </p:cNvPicPr>
-          <p:nvPr>
-            <p:ph idx="1"/>
-          </p:nvPr>
-        </p:nvPicPr>
-        <p:blipFill>
-          <a:blip r:embed="rId3"/>
-          <a:srcRect/>
-          <a:stretch>
-            <a:fillRect/>
-          </a:stretch>
-        </p:blipFill>
-        <p:spPr bwMode="auto">
+              <a:t>Enforcing permissions</a:t>
+            </a:r>
+          </a:p>
+        </p:txBody>
+      </p:sp>
+      <p:sp>
+        <p:nvSpPr>
+          <p:cNvPr id="11266" name="Rectangle 2"/>
+          <p:cNvSpPr>
+            <a:spLocks noGrp="1" noChangeArrowheads="1"/>
+          </p:cNvSpPr>
+          <p:nvPr>
+            <p:ph type="body" idx="1"/>
+          </p:nvPr>
+        </p:nvSpPr>
+        <p:spPr>
           <a:xfrm>
-            <a:off x="838200" y="3352800"/>
-            <a:ext cx="7467600" cy="778034"/>
+            <a:off x="456480" y="1604329"/>
+            <a:ext cx="8045280" cy="3977698"/>
           </a:xfrm>
-          <a:prstGeom prst="rect">
-            <a:avLst/>
-          </a:prstGeom>
-          <a:noFill/>
-          <a:ln w="9525">
-            <a:noFill/>
-            <a:round/>
-            <a:headEnd/>
-            <a:tailEnd/>
-          </a:ln>
-          <a:effectLst/>
+          <a:ln/>
         </p:spPr>
-      </p:pic>
+        <p:txBody>
+          <a:bodyPr lIns="82945" tIns="41473" rIns="82945" bIns="41473">
+            <a:normAutofit fontScale="70000" lnSpcReduction="20000"/>
+          </a:bodyPr>
+          <a:lstStyle/>
+          <a:p>
+            <a:pPr marL="391686" indent="-293764">
+              <a:buSzPct val="45000"/>
+              <a:buNone/>
+              <a:tabLst>
+                <a:tab pos="656650" algn="l"/>
+                <a:tab pos="1313299" algn="l"/>
+                <a:tab pos="1969949" algn="l"/>
+                <a:tab pos="2626599" algn="l"/>
+                <a:tab pos="3283248" algn="l"/>
+                <a:tab pos="3939898" algn="l"/>
+                <a:tab pos="4596548" algn="l"/>
+                <a:tab pos="5253198" algn="l"/>
+                <a:tab pos="5909847" algn="l"/>
+                <a:tab pos="6566497" algn="l"/>
+                <a:tab pos="7223147" algn="l"/>
+                <a:tab pos="7879796" algn="l"/>
+              </a:tabLst>
+            </a:pPr>
+            <a:endParaRPr lang="en-US" dirty="0"/>
+          </a:p>
+          <a:p>
+            <a:pPr marL="391686" indent="-293764">
+              <a:buSzPct val="45000"/>
+              <a:buFont typeface="StarSymbol" charset="0"/>
+              <a:buChar char="●"/>
+              <a:tabLst>
+                <a:tab pos="656650" algn="l"/>
+                <a:tab pos="1313299" algn="l"/>
+                <a:tab pos="1969949" algn="l"/>
+                <a:tab pos="2626599" algn="l"/>
+                <a:tab pos="3283248" algn="l"/>
+                <a:tab pos="3939898" algn="l"/>
+                <a:tab pos="4596548" algn="l"/>
+                <a:tab pos="5253198" algn="l"/>
+                <a:tab pos="5909847" algn="l"/>
+                <a:tab pos="6566497" algn="l"/>
+                <a:tab pos="7223147" algn="l"/>
+                <a:tab pos="7879796" algn="l"/>
+              </a:tabLst>
+            </a:pPr>
+            <a:r>
+              <a:rPr lang="en-US" dirty="0"/>
+              <a:t>    The Firefox OS core process, b2g, has very high privileges and has access to most hardware devices.</a:t>
+            </a:r>
+          </a:p>
+          <a:p>
+            <a:pPr marL="391686" indent="-293764">
+              <a:buSzPct val="45000"/>
+              <a:buFont typeface="StarSymbol" charset="0"/>
+              <a:buChar char="●"/>
+              <a:tabLst>
+                <a:tab pos="656650" algn="l"/>
+                <a:tab pos="1313299" algn="l"/>
+                <a:tab pos="1969949" algn="l"/>
+                <a:tab pos="2626599" algn="l"/>
+                <a:tab pos="3283248" algn="l"/>
+                <a:tab pos="3939898" algn="l"/>
+                <a:tab pos="4596548" algn="l"/>
+                <a:tab pos="5253198" algn="l"/>
+                <a:tab pos="5909847" algn="l"/>
+                <a:tab pos="6566497" algn="l"/>
+                <a:tab pos="7223147" algn="l"/>
+                <a:tab pos="7879796" algn="l"/>
+              </a:tabLst>
+            </a:pPr>
+            <a:r>
+              <a:rPr lang="en-US" dirty="0"/>
+              <a:t>    Web applications run in a low-privileged content process and only communicate with the b2g core process using IPC, which is implemented using IPDL.</a:t>
+            </a:r>
+          </a:p>
+          <a:p>
+            <a:pPr marL="391686" indent="-293764">
+              <a:buSzPct val="45000"/>
+              <a:buFont typeface="StarSymbol" charset="0"/>
+              <a:buChar char="●"/>
+              <a:tabLst>
+                <a:tab pos="656650" algn="l"/>
+                <a:tab pos="1313299" algn="l"/>
+                <a:tab pos="1969949" algn="l"/>
+                <a:tab pos="2626599" algn="l"/>
+                <a:tab pos="3283248" algn="l"/>
+                <a:tab pos="3939898" algn="l"/>
+                <a:tab pos="4596548" algn="l"/>
+                <a:tab pos="5253198" algn="l"/>
+                <a:tab pos="5909847" algn="l"/>
+                <a:tab pos="6566497" algn="l"/>
+                <a:tab pos="7223147" algn="l"/>
+                <a:tab pos="7879796" algn="l"/>
+              </a:tabLst>
+            </a:pPr>
+            <a:r>
+              <a:rPr lang="en-US" dirty="0"/>
+              <a:t>    The content process has no operating system level access to resources.</a:t>
+            </a:r>
+          </a:p>
+          <a:p>
+            <a:pPr marL="391686" indent="-293764">
+              <a:buSzPct val="45000"/>
+              <a:buFont typeface="StarSymbol" charset="0"/>
+              <a:buChar char="●"/>
+              <a:tabLst>
+                <a:tab pos="656650" algn="l"/>
+                <a:tab pos="1313299" algn="l"/>
+                <a:tab pos="1969949" algn="l"/>
+                <a:tab pos="2626599" algn="l"/>
+                <a:tab pos="3283248" algn="l"/>
+                <a:tab pos="3939898" algn="l"/>
+                <a:tab pos="4596548" algn="l"/>
+                <a:tab pos="5253198" algn="l"/>
+                <a:tab pos="5909847" algn="l"/>
+                <a:tab pos="6566497" algn="l"/>
+                <a:tab pos="7223147" algn="l"/>
+                <a:tab pos="7879796" algn="l"/>
+              </a:tabLst>
+            </a:pPr>
+            <a:r>
+              <a:rPr lang="en-US" dirty="0"/>
+              <a:t>    Each Web API has one or more associated IPDL protocol declaration file(s) (*.</a:t>
+            </a:r>
+            <a:r>
+              <a:rPr lang="en-US" dirty="0" err="1"/>
+              <a:t>ipdl</a:t>
+            </a:r>
+            <a:r>
+              <a:rPr lang="en-US" dirty="0"/>
+              <a:t>)</a:t>
+            </a:r>
+          </a:p>
+          <a:p>
+            <a:pPr marL="391686" indent="-293764">
+              <a:buSzPct val="45000"/>
+              <a:buFont typeface="StarSymbol" charset="0"/>
+              <a:buChar char="●"/>
+              <a:tabLst>
+                <a:tab pos="656650" algn="l"/>
+                <a:tab pos="1313299" algn="l"/>
+                <a:tab pos="1969949" algn="l"/>
+                <a:tab pos="2626599" algn="l"/>
+                <a:tab pos="3283248" algn="l"/>
+                <a:tab pos="3939898" algn="l"/>
+                <a:tab pos="4596548" algn="l"/>
+                <a:tab pos="5253198" algn="l"/>
+                <a:tab pos="5909847" algn="l"/>
+                <a:tab pos="6566497" algn="l"/>
+                <a:tab pos="7223147" algn="l"/>
+                <a:tab pos="7879796" algn="l"/>
+              </a:tabLst>
+            </a:pPr>
+            <a:r>
+              <a:rPr lang="en-US" dirty="0"/>
+              <a:t>    Firefox OS content processes can only communicate through the IPDL mechanism back to the core process, which will perform actions on behalf of content.</a:t>
+            </a:r>
+          </a:p>
+          <a:p>
+            <a:pPr marL="391686" indent="-293764">
+              <a:buSzPct val="45000"/>
+              <a:buNone/>
+              <a:tabLst>
+                <a:tab pos="656650" algn="l"/>
+                <a:tab pos="1313299" algn="l"/>
+                <a:tab pos="1969949" algn="l"/>
+                <a:tab pos="2626599" algn="l"/>
+                <a:tab pos="3283248" algn="l"/>
+                <a:tab pos="3939898" algn="l"/>
+                <a:tab pos="4596548" algn="l"/>
+                <a:tab pos="5253198" algn="l"/>
+                <a:tab pos="5909847" algn="l"/>
+                <a:tab pos="6566497" algn="l"/>
+                <a:tab pos="7223147" algn="l"/>
+                <a:tab pos="7879796" algn="l"/>
+              </a:tabLst>
+            </a:pPr>
+            <a:endParaRPr lang="en-US" dirty="0"/>
+          </a:p>
+        </p:txBody>
+      </p:sp>
     </p:spTree>
   </p:cSld>
   <p:clrMapOvr>
@@ -14903,7 +14436,7 @@
   <p:timing>
     <p:tnLst>
       <p:par>
-        <p:cTn id="1" dur="indefinite" nodeType="tmRoot">
+        <p:cTn id="1" dur="indefinite" restart="never" nodeType="tmRoot">
           <p:childTnLst>
             <p:seq concurrent="1" nextAc="seek">
               <p:cTn id="2" dur="0" nodeType="mainSeq"/>
@@ -14949,7 +14482,7 @@
       </p:grpSpPr>
       <p:sp>
         <p:nvSpPr>
-          <p:cNvPr id="10241" name="Rectangle 1"/>
+          <p:cNvPr id="12289" name="Rectangle 1"/>
           <p:cNvSpPr>
             <a:spLocks noGrp="1" noChangeArrowheads="1"/>
           </p:cNvSpPr>
@@ -14965,9 +14498,7 @@
           <a:ln/>
         </p:spPr>
         <p:txBody>
-          <a:bodyPr tIns="35203" bIns="41473">
-            <a:normAutofit fontScale="90000"/>
-          </a:bodyPr>
+          <a:bodyPr tIns="35203" bIns="41473"/>
           <a:lstStyle/>
           <a:p>
             <a:pPr>
@@ -14988,14 +14519,14 @@
             </a:pPr>
             <a:r>
               <a:rPr lang="en-US" dirty="0"/>
-              <a:t>Goals and scope of the Firefox OS system security model</a:t>
-            </a:r>
-          </a:p>
-        </p:txBody>
-      </p:sp>
-      <p:sp>
-        <p:nvSpPr>
-          <p:cNvPr id="10242" name="Rectangle 2"/>
+              <a:t>Risks</a:t>
+            </a:r>
+          </a:p>
+        </p:txBody>
+      </p:sp>
+      <p:sp>
+        <p:nvSpPr>
+          <p:cNvPr id="12290" name="Rectangle 2"/>
           <p:cNvSpPr>
             <a:spLocks noGrp="1" noChangeArrowheads="1"/>
           </p:cNvSpPr>
@@ -15012,7 +14543,7 @@
         </p:spPr>
         <p:txBody>
           <a:bodyPr lIns="82945" tIns="41473" rIns="82945" bIns="41473">
-            <a:normAutofit fontScale="85000" lnSpcReduction="10000"/>
+            <a:normAutofit lnSpcReduction="10000"/>
           </a:bodyPr>
           <a:lstStyle/>
           <a:p>
@@ -15058,7 +14589,7 @@
             </a:pPr>
             <a:r>
               <a:rPr lang="en-US" dirty="0"/>
-              <a:t>    Limit and enforce the scope of resources that can be accessed or used by a web application.</a:t>
+              <a:t>    Leak of information when spawning the web application's content process</a:t>
             </a:r>
           </a:p>
           <a:p>
@@ -15083,7 +14614,7 @@
             </a:pPr>
             <a:r>
               <a:rPr lang="en-US" dirty="0"/>
-              <a:t>    Ensure several layers of security are being correctly used in the operating system.</a:t>
+              <a:t>    Possibility of accessing operating system resources, escalate to the same level of privileges as the b2g process</a:t>
             </a:r>
           </a:p>
           <a:p>
@@ -15108,47 +14639,13 @@
             </a:pPr>
             <a:r>
               <a:rPr lang="en-US" dirty="0"/>
-              <a:t>    Limit and contain the impact of vulnerabilities caused by security bugs, from the </a:t>
-            </a:r>
-            <a:r>
-              <a:rPr lang="en-US" dirty="0" err="1"/>
-              <a:t>Gonk</a:t>
-            </a:r>
-            <a:r>
-              <a:rPr lang="en-US" dirty="0"/>
-              <a:t> layer.</a:t>
+              <a:t>    Bypassing the content process initialization</a:t>
             </a:r>
           </a:p>
           <a:p>
             <a:pPr marL="391686" indent="-293764">
               <a:buSzPct val="45000"/>
-              <a:buFont typeface="StarSymbol" charset="0"/>
-              <a:buChar char="●"/>
-              <a:tabLst>
-                <a:tab pos="656650" algn="l"/>
-                <a:tab pos="1313299" algn="l"/>
-                <a:tab pos="1969949" algn="l"/>
-                <a:tab pos="2626599" algn="l"/>
-                <a:tab pos="3283248" algn="l"/>
-                <a:tab pos="3939898" algn="l"/>
-                <a:tab pos="4596548" algn="l"/>
-                <a:tab pos="5253198" algn="l"/>
-                <a:tab pos="5909847" algn="l"/>
-                <a:tab pos="6566497" algn="l"/>
-                <a:tab pos="7223147" algn="l"/>
-                <a:tab pos="7879796" algn="l"/>
-              </a:tabLst>
-            </a:pPr>
-            <a:r>
-              <a:rPr lang="en-US" dirty="0"/>
-              <a:t>    Web application permissions and any application related security feature is detailed in the Application Security model.</a:t>
-            </a:r>
-          </a:p>
-          <a:p>
-            <a:pPr marL="391686" indent="-293764">
-              <a:buSzPct val="45000"/>
-              <a:buFont typeface="StarSymbol" charset="0"/>
-              <a:buChar char="●"/>
+              <a:buNone/>
               <a:tabLst>
                 <a:tab pos="656650" algn="l"/>
                 <a:tab pos="1313299" algn="l"/>
@@ -15166,28 +14663,6 @@
             </a:pPr>
             <a:endParaRPr lang="en-US" dirty="0"/>
           </a:p>
-          <a:p>
-            <a:pPr marL="391686" indent="-293764">
-              <a:buSzPct val="45000"/>
-              <a:buFont typeface="StarSymbol" charset="0"/>
-              <a:buChar char="●"/>
-              <a:tabLst>
-                <a:tab pos="656650" algn="l"/>
-                <a:tab pos="1313299" algn="l"/>
-                <a:tab pos="1969949" algn="l"/>
-                <a:tab pos="2626599" algn="l"/>
-                <a:tab pos="3283248" algn="l"/>
-                <a:tab pos="3939898" algn="l"/>
-                <a:tab pos="4596548" algn="l"/>
-                <a:tab pos="5253198" algn="l"/>
-                <a:tab pos="5909847" algn="l"/>
-                <a:tab pos="6566497" algn="l"/>
-                <a:tab pos="7223147" algn="l"/>
-                <a:tab pos="7879796" algn="l"/>
-              </a:tabLst>
-            </a:pPr>
-            <a:endParaRPr lang="en-US" dirty="0"/>
-          </a:p>
         </p:txBody>
       </p:sp>
     </p:spTree>
@@ -15199,7 +14674,7 @@
   <p:timing>
     <p:tnLst>
       <p:par>
-        <p:cTn id="1" dur="indefinite" nodeType="tmRoot">
+        <p:cTn id="1" dur="indefinite" restart="never" nodeType="tmRoot">
           <p:childTnLst>
             <p:seq concurrent="1" nextAc="seek">
               <p:cTn id="2" dur="0" nodeType="mainSeq"/>
@@ -15245,7 +14720,7 @@
       </p:grpSpPr>
       <p:sp>
         <p:nvSpPr>
-          <p:cNvPr id="11265" name="Rectangle 1"/>
+          <p:cNvPr id="13313" name="Rectangle 1"/>
           <p:cNvSpPr>
             <a:spLocks noGrp="1" noChangeArrowheads="1"/>
           </p:cNvSpPr>
@@ -15282,14 +14757,14 @@
             </a:pPr>
             <a:r>
               <a:rPr lang="en-US" dirty="0"/>
-              <a:t>Enforcing permissions</a:t>
-            </a:r>
-          </a:p>
-        </p:txBody>
-      </p:sp>
-      <p:sp>
-        <p:nvSpPr>
-          <p:cNvPr id="11266" name="Rectangle 2"/>
+              <a:t>Secure system updates Risks</a:t>
+            </a:r>
+          </a:p>
+        </p:txBody>
+      </p:sp>
+      <p:sp>
+        <p:nvSpPr>
+          <p:cNvPr id="13314" name="Rectangle 2"/>
           <p:cNvSpPr>
             <a:spLocks noGrp="1" noChangeArrowheads="1"/>
           </p:cNvSpPr>
@@ -15299,8 +14774,8 @@
         </p:nvSpPr>
         <p:spPr>
           <a:xfrm>
-            <a:off x="456480" y="1604329"/>
-            <a:ext cx="8045280" cy="3977698"/>
+            <a:off x="456481" y="1604329"/>
+            <a:ext cx="8583840" cy="5031888"/>
           </a:xfrm>
           <a:ln/>
         </p:spPr>
@@ -15326,6 +14801,7 @@
                 <a:tab pos="6566497" algn="l"/>
                 <a:tab pos="7223147" algn="l"/>
                 <a:tab pos="7879796" algn="l"/>
+                <a:tab pos="8536446" algn="l"/>
               </a:tabLst>
             </a:pPr>
             <a:endParaRPr lang="en-US" dirty="0"/>
@@ -15348,11 +14824,20 @@
                 <a:tab pos="6566497" algn="l"/>
                 <a:tab pos="7223147" algn="l"/>
                 <a:tab pos="7879796" algn="l"/>
+                <a:tab pos="8536446" algn="l"/>
               </a:tabLst>
             </a:pPr>
             <a:r>
               <a:rPr lang="en-US" dirty="0"/>
-              <a:t>    The Firefox OS core process, b2g, has very high privileges and has access to most hardware devices.</a:t>
+              <a:t>    Compromised update package data, resulting in an </a:t>
+            </a:r>
+            <a:r>
+              <a:rPr lang="en-US" dirty="0" err="1"/>
+              <a:t>untrusted</a:t>
+            </a:r>
+            <a:r>
+              <a:rPr lang="en-US" dirty="0"/>
+              <a:t> update package being installed</a:t>
             </a:r>
           </a:p>
           <a:p>
@@ -15373,11 +14858,12 @@
                 <a:tab pos="6566497" algn="l"/>
                 <a:tab pos="7223147" algn="l"/>
                 <a:tab pos="7879796" algn="l"/>
+                <a:tab pos="8536446" algn="l"/>
               </a:tabLst>
             </a:pPr>
             <a:r>
               <a:rPr lang="en-US" dirty="0"/>
-              <a:t>    Web applications run in a low-privileged content process and only communicate with the b2g core process using IPC, which is implemented using IPDL.</a:t>
+              <a:t>    Compromised update check</a:t>
             </a:r>
           </a:p>
           <a:p>
@@ -15398,11 +14884,12 @@
                 <a:tab pos="6566497" algn="l"/>
                 <a:tab pos="7223147" algn="l"/>
                 <a:tab pos="7879796" algn="l"/>
+                <a:tab pos="8536446" algn="l"/>
               </a:tabLst>
             </a:pPr>
             <a:r>
               <a:rPr lang="en-US" dirty="0"/>
-              <a:t>    The content process has no operating system level access to resources.</a:t>
+              <a:t>        User does not see new updates are available</a:t>
             </a:r>
           </a:p>
           <a:p>
@@ -15423,19 +14910,12 @@
                 <a:tab pos="6566497" algn="l"/>
                 <a:tab pos="7223147" algn="l"/>
                 <a:tab pos="7879796" algn="l"/>
+                <a:tab pos="8536446" algn="l"/>
               </a:tabLst>
             </a:pPr>
             <a:r>
               <a:rPr lang="en-US" dirty="0"/>
-              <a:t>    Each Web API has one or more associated IPDL protocol declaration file(s) (*.</a:t>
-            </a:r>
-            <a:r>
-              <a:rPr lang="en-US" dirty="0" err="1"/>
-              <a:t>ipdl</a:t>
-            </a:r>
-            <a:r>
-              <a:rPr lang="en-US" dirty="0"/>
-              <a:t>)</a:t>
+              <a:t>        User gets an out of date package as an update, which effectively downgrades the software on the device</a:t>
             </a:r>
           </a:p>
           <a:p>
@@ -15456,11 +14936,116 @@
                 <a:tab pos="6566497" algn="l"/>
                 <a:tab pos="7223147" algn="l"/>
                 <a:tab pos="7879796" algn="l"/>
+                <a:tab pos="8536446" algn="l"/>
               </a:tabLst>
             </a:pPr>
             <a:r>
               <a:rPr lang="en-US" dirty="0"/>
-              <a:t>    Firefox OS content processes can only communicate through the IPDL mechanism back to the core process, which will perform actions on behalf of content.</a:t>
+              <a:t>    System state compromised or unknown during the installation of the update; this may (for example) lead to:</a:t>
+            </a:r>
+          </a:p>
+          <a:p>
+            <a:pPr marL="391686" indent="-293764">
+              <a:buSzPct val="45000"/>
+              <a:buFont typeface="StarSymbol" charset="0"/>
+              <a:buChar char="●"/>
+              <a:tabLst>
+                <a:tab pos="656650" algn="l"/>
+                <a:tab pos="1313299" algn="l"/>
+                <a:tab pos="1969949" algn="l"/>
+                <a:tab pos="2626599" algn="l"/>
+                <a:tab pos="3283248" algn="l"/>
+                <a:tab pos="3939898" algn="l"/>
+                <a:tab pos="4596548" algn="l"/>
+                <a:tab pos="5253198" algn="l"/>
+                <a:tab pos="5909847" algn="l"/>
+                <a:tab pos="6566497" algn="l"/>
+                <a:tab pos="7223147" algn="l"/>
+                <a:tab pos="7879796" algn="l"/>
+                <a:tab pos="8536446" algn="l"/>
+              </a:tabLst>
+            </a:pPr>
+            <a:r>
+              <a:rPr lang="en-US" dirty="0"/>
+              <a:t>        Missing elements during the installation, some of which may be security fixes</a:t>
+            </a:r>
+          </a:p>
+          <a:p>
+            <a:pPr marL="391686" indent="-293764">
+              <a:buSzPct val="45000"/>
+              <a:buFont typeface="StarSymbol" charset="0"/>
+              <a:buChar char="●"/>
+              <a:tabLst>
+                <a:tab pos="656650" algn="l"/>
+                <a:tab pos="1313299" algn="l"/>
+                <a:tab pos="1969949" algn="l"/>
+                <a:tab pos="2626599" algn="l"/>
+                <a:tab pos="3283248" algn="l"/>
+                <a:tab pos="3939898" algn="l"/>
+                <a:tab pos="4596548" algn="l"/>
+                <a:tab pos="5253198" algn="l"/>
+                <a:tab pos="5909847" algn="l"/>
+                <a:tab pos="6566497" algn="l"/>
+                <a:tab pos="7223147" algn="l"/>
+                <a:tab pos="7879796" algn="l"/>
+                <a:tab pos="8536446" algn="l"/>
+              </a:tabLst>
+            </a:pPr>
+            <a:r>
+              <a:rPr lang="en-US" dirty="0"/>
+              <a:t>        Security fixes reverted by the compromised system after upgrade</a:t>
+            </a:r>
+          </a:p>
+          <a:p>
+            <a:pPr marL="391686" indent="-293764">
+              <a:buSzPct val="45000"/>
+              <a:buFont typeface="StarSymbol" charset="0"/>
+              <a:buChar char="●"/>
+              <a:tabLst>
+                <a:tab pos="656650" algn="l"/>
+                <a:tab pos="1313299" algn="l"/>
+                <a:tab pos="1969949" algn="l"/>
+                <a:tab pos="2626599" algn="l"/>
+                <a:tab pos="3283248" algn="l"/>
+                <a:tab pos="3939898" algn="l"/>
+                <a:tab pos="4596548" algn="l"/>
+                <a:tab pos="5253198" algn="l"/>
+                <a:tab pos="5909847" algn="l"/>
+                <a:tab pos="6566497" algn="l"/>
+                <a:tab pos="7223147" algn="l"/>
+                <a:tab pos="7879796" algn="l"/>
+                <a:tab pos="8536446" algn="l"/>
+              </a:tabLst>
+            </a:pPr>
+            <a:r>
+              <a:rPr lang="en-US" dirty="0"/>
+              <a:t>    Vulnerabilities in the update checking mechanism running on the device</a:t>
+            </a:r>
+          </a:p>
+          <a:p>
+            <a:pPr marL="391686" indent="-293764">
+              <a:buSzPct val="45000"/>
+              <a:buFont typeface="StarSymbol" charset="0"/>
+              <a:buChar char="●"/>
+              <a:tabLst>
+                <a:tab pos="656650" algn="l"/>
+                <a:tab pos="1313299" algn="l"/>
+                <a:tab pos="1969949" algn="l"/>
+                <a:tab pos="2626599" algn="l"/>
+                <a:tab pos="3283248" algn="l"/>
+                <a:tab pos="3939898" algn="l"/>
+                <a:tab pos="4596548" algn="l"/>
+                <a:tab pos="5253198" algn="l"/>
+                <a:tab pos="5909847" algn="l"/>
+                <a:tab pos="6566497" algn="l"/>
+                <a:tab pos="7223147" algn="l"/>
+                <a:tab pos="7879796" algn="l"/>
+                <a:tab pos="8536446" algn="l"/>
+              </a:tabLst>
+            </a:pPr>
+            <a:r>
+              <a:rPr lang="en-US" dirty="0"/>
+              <a:t>    Lack of updates or tracking for a software component with a known vulnerability</a:t>
             </a:r>
           </a:p>
           <a:p>
@@ -15480,6 +15065,7 @@
                 <a:tab pos="6566497" algn="l"/>
                 <a:tab pos="7223147" algn="l"/>
                 <a:tab pos="7879796" algn="l"/>
+                <a:tab pos="8536446" algn="l"/>
               </a:tabLst>
             </a:pPr>
             <a:endParaRPr lang="en-US" dirty="0"/>
@@ -15495,7 +15081,7 @@
   <p:timing>
     <p:tnLst>
       <p:par>
-        <p:cTn id="1" dur="indefinite" nodeType="tmRoot">
+        <p:cTn id="1" dur="indefinite" restart="never" nodeType="tmRoot">
           <p:childTnLst>
             <p:seq concurrent="1" nextAc="seek">
               <p:cTn id="2" dur="0" nodeType="mainSeq"/>
@@ -16137,7 +15723,7 @@
       </p:grpSpPr>
       <p:sp>
         <p:nvSpPr>
-          <p:cNvPr id="12289" name="Rectangle 1"/>
+          <p:cNvPr id="16385" name="Rectangle 1"/>
           <p:cNvSpPr>
             <a:spLocks noGrp="1" noChangeArrowheads="1"/>
           </p:cNvSpPr>
@@ -16174,14 +15760,14 @@
             </a:pPr>
             <a:r>
               <a:rPr lang="en-US" dirty="0"/>
-              <a:t>Risks</a:t>
-            </a:r>
-          </a:p>
-        </p:txBody>
-      </p:sp>
-      <p:sp>
-        <p:nvSpPr>
-          <p:cNvPr id="12290" name="Rectangle 2"/>
+              <a:t>Assumptions about users</a:t>
+            </a:r>
+          </a:p>
+        </p:txBody>
+      </p:sp>
+      <p:sp>
+        <p:nvSpPr>
+          <p:cNvPr id="16386" name="Rectangle 2"/>
           <p:cNvSpPr>
             <a:spLocks noGrp="1" noChangeArrowheads="1"/>
           </p:cNvSpPr>
@@ -16198,7 +15784,7 @@
         </p:spPr>
         <p:txBody>
           <a:bodyPr lIns="82945" tIns="41473" rIns="82945" bIns="41473">
-            <a:normAutofit lnSpcReduction="10000"/>
+            <a:normAutofit fontScale="77500" lnSpcReduction="20000"/>
           </a:bodyPr>
           <a:lstStyle/>
           <a:p>
@@ -16244,7 +15830,7 @@
             </a:pPr>
             <a:r>
               <a:rPr lang="en-US" dirty="0"/>
-              <a:t>    Leak of information when spawning the web application's content process</a:t>
+              <a:t>    Data transfer is slow, expensive, and intentionally constrained; in other words, we assume that the user has a slow data connection and a limited amount of traffic permitted each month.</a:t>
             </a:r>
           </a:p>
           <a:p>
@@ -16269,7 +15855,15 @@
             </a:pPr>
             <a:r>
               <a:rPr lang="en-US" dirty="0"/>
-              <a:t>    Possibility of accessing operating system resources, escalate to the same level of privileges as the b2g process</a:t>
+              <a:t>    We assume that the user has little or no access to </a:t>
+            </a:r>
+            <a:r>
+              <a:rPr lang="en-US" dirty="0" err="1"/>
+              <a:t>WiFi</a:t>
+            </a:r>
+            <a:r>
+              <a:rPr lang="en-US" dirty="0"/>
+              <a:t>; most updates will be performed over their cellular data connection.</a:t>
             </a:r>
           </a:p>
           <a:p>
@@ -16294,7 +15888,57 @@
             </a:pPr>
             <a:r>
               <a:rPr lang="en-US" dirty="0"/>
-              <a:t>    Bypassing the content process initialization</a:t>
+              <a:t>    Devices are rarely roaming.</a:t>
+            </a:r>
+          </a:p>
+          <a:p>
+            <a:pPr marL="391686" indent="-293764">
+              <a:buSzPct val="45000"/>
+              <a:buFont typeface="StarSymbol" charset="0"/>
+              <a:buChar char="●"/>
+              <a:tabLst>
+                <a:tab pos="656650" algn="l"/>
+                <a:tab pos="1313299" algn="l"/>
+                <a:tab pos="1969949" algn="l"/>
+                <a:tab pos="2626599" algn="l"/>
+                <a:tab pos="3283248" algn="l"/>
+                <a:tab pos="3939898" algn="l"/>
+                <a:tab pos="4596548" algn="l"/>
+                <a:tab pos="5253198" algn="l"/>
+                <a:tab pos="5909847" algn="l"/>
+                <a:tab pos="6566497" algn="l"/>
+                <a:tab pos="7223147" algn="l"/>
+                <a:tab pos="7879796" algn="l"/>
+              </a:tabLst>
+            </a:pPr>
+            <a:r>
+              <a:rPr lang="en-US" dirty="0"/>
+              <a:t>    Users keep their data service disabled by default, enabling it only to complete certain transactions.</a:t>
+            </a:r>
+          </a:p>
+          <a:p>
+            <a:pPr marL="391686" indent="-293764">
+              <a:buSzPct val="45000"/>
+              <a:buFont typeface="StarSymbol" charset="0"/>
+              <a:buChar char="●"/>
+              <a:tabLst>
+                <a:tab pos="656650" algn="l"/>
+                <a:tab pos="1313299" algn="l"/>
+                <a:tab pos="1969949" algn="l"/>
+                <a:tab pos="2626599" algn="l"/>
+                <a:tab pos="3283248" algn="l"/>
+                <a:tab pos="3939898" algn="l"/>
+                <a:tab pos="4596548" algn="l"/>
+                <a:tab pos="5253198" algn="l"/>
+                <a:tab pos="5909847" algn="l"/>
+                <a:tab pos="6566497" algn="l"/>
+                <a:tab pos="7223147" algn="l"/>
+                <a:tab pos="7879796" algn="l"/>
+              </a:tabLst>
+            </a:pPr>
+            <a:r>
+              <a:rPr lang="en-US" dirty="0"/>
+              <a:t>    Users keep and use multiple SIM cards.</a:t>
             </a:r>
           </a:p>
           <a:p>
@@ -16329,7 +15973,7 @@
   <p:timing>
     <p:tnLst>
       <p:par>
-        <p:cTn id="1" dur="indefinite" nodeType="tmRoot">
+        <p:cTn id="1" dur="indefinite" restart="never" nodeType="tmRoot">
           <p:childTnLst>
             <p:seq concurrent="1" nextAc="seek">
               <p:cTn id="2" dur="0" nodeType="mainSeq"/>
@@ -16375,7 +16019,7 @@
       </p:grpSpPr>
       <p:sp>
         <p:nvSpPr>
-          <p:cNvPr id="13313" name="Rectangle 1"/>
+          <p:cNvPr id="17409" name="Rectangle 1"/>
           <p:cNvSpPr>
             <a:spLocks noGrp="1" noChangeArrowheads="1"/>
           </p:cNvSpPr>
@@ -16412,421 +16056,14 @@
             </a:pPr>
             <a:r>
               <a:rPr lang="en-US" dirty="0"/>
-              <a:t>Secure system updates Risks</a:t>
-            </a:r>
-          </a:p>
-        </p:txBody>
-      </p:sp>
-      <p:sp>
-        <p:nvSpPr>
-          <p:cNvPr id="13314" name="Rectangle 2"/>
-          <p:cNvSpPr>
-            <a:spLocks noGrp="1" noChangeArrowheads="1"/>
-          </p:cNvSpPr>
-          <p:nvPr>
-            <p:ph type="body" idx="1"/>
-          </p:nvPr>
-        </p:nvSpPr>
-        <p:spPr>
-          <a:xfrm>
-            <a:off x="456481" y="1604329"/>
-            <a:ext cx="8583840" cy="5031888"/>
-          </a:xfrm>
-          <a:ln/>
-        </p:spPr>
-        <p:txBody>
-          <a:bodyPr lIns="82945" tIns="41473" rIns="82945" bIns="41473">
-            <a:normAutofit fontScale="70000" lnSpcReduction="20000"/>
-          </a:bodyPr>
-          <a:lstStyle/>
-          <a:p>
-            <a:pPr marL="391686" indent="-293764">
-              <a:buSzPct val="45000"/>
-              <a:buNone/>
-              <a:tabLst>
-                <a:tab pos="656650" algn="l"/>
-                <a:tab pos="1313299" algn="l"/>
-                <a:tab pos="1969949" algn="l"/>
-                <a:tab pos="2626599" algn="l"/>
-                <a:tab pos="3283248" algn="l"/>
-                <a:tab pos="3939898" algn="l"/>
-                <a:tab pos="4596548" algn="l"/>
-                <a:tab pos="5253198" algn="l"/>
-                <a:tab pos="5909847" algn="l"/>
-                <a:tab pos="6566497" algn="l"/>
-                <a:tab pos="7223147" algn="l"/>
-                <a:tab pos="7879796" algn="l"/>
-                <a:tab pos="8536446" algn="l"/>
-              </a:tabLst>
-            </a:pPr>
-            <a:endParaRPr lang="en-US" dirty="0"/>
-          </a:p>
-          <a:p>
-            <a:pPr marL="391686" indent="-293764">
-              <a:buSzPct val="45000"/>
-              <a:buFont typeface="StarSymbol" charset="0"/>
-              <a:buChar char="●"/>
-              <a:tabLst>
-                <a:tab pos="656650" algn="l"/>
-                <a:tab pos="1313299" algn="l"/>
-                <a:tab pos="1969949" algn="l"/>
-                <a:tab pos="2626599" algn="l"/>
-                <a:tab pos="3283248" algn="l"/>
-                <a:tab pos="3939898" algn="l"/>
-                <a:tab pos="4596548" algn="l"/>
-                <a:tab pos="5253198" algn="l"/>
-                <a:tab pos="5909847" algn="l"/>
-                <a:tab pos="6566497" algn="l"/>
-                <a:tab pos="7223147" algn="l"/>
-                <a:tab pos="7879796" algn="l"/>
-                <a:tab pos="8536446" algn="l"/>
-              </a:tabLst>
-            </a:pPr>
-            <a:r>
-              <a:rPr lang="en-US" dirty="0"/>
-              <a:t>    Compromised update package data, resulting in an </a:t>
-            </a:r>
-            <a:r>
-              <a:rPr lang="en-US" dirty="0" err="1"/>
-              <a:t>untrusted</a:t>
-            </a:r>
-            <a:r>
-              <a:rPr lang="en-US" dirty="0"/>
-              <a:t> update package being installed</a:t>
-            </a:r>
-          </a:p>
-          <a:p>
-            <a:pPr marL="391686" indent="-293764">
-              <a:buSzPct val="45000"/>
-              <a:buFont typeface="StarSymbol" charset="0"/>
-              <a:buChar char="●"/>
-              <a:tabLst>
-                <a:tab pos="656650" algn="l"/>
-                <a:tab pos="1313299" algn="l"/>
-                <a:tab pos="1969949" algn="l"/>
-                <a:tab pos="2626599" algn="l"/>
-                <a:tab pos="3283248" algn="l"/>
-                <a:tab pos="3939898" algn="l"/>
-                <a:tab pos="4596548" algn="l"/>
-                <a:tab pos="5253198" algn="l"/>
-                <a:tab pos="5909847" algn="l"/>
-                <a:tab pos="6566497" algn="l"/>
-                <a:tab pos="7223147" algn="l"/>
-                <a:tab pos="7879796" algn="l"/>
-                <a:tab pos="8536446" algn="l"/>
-              </a:tabLst>
-            </a:pPr>
-            <a:r>
-              <a:rPr lang="en-US" dirty="0"/>
-              <a:t>    Compromised update check</a:t>
-            </a:r>
-          </a:p>
-          <a:p>
-            <a:pPr marL="391686" indent="-293764">
-              <a:buSzPct val="45000"/>
-              <a:buFont typeface="StarSymbol" charset="0"/>
-              <a:buChar char="●"/>
-              <a:tabLst>
-                <a:tab pos="656650" algn="l"/>
-                <a:tab pos="1313299" algn="l"/>
-                <a:tab pos="1969949" algn="l"/>
-                <a:tab pos="2626599" algn="l"/>
-                <a:tab pos="3283248" algn="l"/>
-                <a:tab pos="3939898" algn="l"/>
-                <a:tab pos="4596548" algn="l"/>
-                <a:tab pos="5253198" algn="l"/>
-                <a:tab pos="5909847" algn="l"/>
-                <a:tab pos="6566497" algn="l"/>
-                <a:tab pos="7223147" algn="l"/>
-                <a:tab pos="7879796" algn="l"/>
-                <a:tab pos="8536446" algn="l"/>
-              </a:tabLst>
-            </a:pPr>
-            <a:r>
-              <a:rPr lang="en-US" dirty="0"/>
-              <a:t>        User does not see new updates are available</a:t>
-            </a:r>
-          </a:p>
-          <a:p>
-            <a:pPr marL="391686" indent="-293764">
-              <a:buSzPct val="45000"/>
-              <a:buFont typeface="StarSymbol" charset="0"/>
-              <a:buChar char="●"/>
-              <a:tabLst>
-                <a:tab pos="656650" algn="l"/>
-                <a:tab pos="1313299" algn="l"/>
-                <a:tab pos="1969949" algn="l"/>
-                <a:tab pos="2626599" algn="l"/>
-                <a:tab pos="3283248" algn="l"/>
-                <a:tab pos="3939898" algn="l"/>
-                <a:tab pos="4596548" algn="l"/>
-                <a:tab pos="5253198" algn="l"/>
-                <a:tab pos="5909847" algn="l"/>
-                <a:tab pos="6566497" algn="l"/>
-                <a:tab pos="7223147" algn="l"/>
-                <a:tab pos="7879796" algn="l"/>
-                <a:tab pos="8536446" algn="l"/>
-              </a:tabLst>
-            </a:pPr>
-            <a:r>
-              <a:rPr lang="en-US" dirty="0"/>
-              <a:t>        User gets an out of date package as an update, which effectively downgrades the software on the device</a:t>
-            </a:r>
-          </a:p>
-          <a:p>
-            <a:pPr marL="391686" indent="-293764">
-              <a:buSzPct val="45000"/>
-              <a:buFont typeface="StarSymbol" charset="0"/>
-              <a:buChar char="●"/>
-              <a:tabLst>
-                <a:tab pos="656650" algn="l"/>
-                <a:tab pos="1313299" algn="l"/>
-                <a:tab pos="1969949" algn="l"/>
-                <a:tab pos="2626599" algn="l"/>
-                <a:tab pos="3283248" algn="l"/>
-                <a:tab pos="3939898" algn="l"/>
-                <a:tab pos="4596548" algn="l"/>
-                <a:tab pos="5253198" algn="l"/>
-                <a:tab pos="5909847" algn="l"/>
-                <a:tab pos="6566497" algn="l"/>
-                <a:tab pos="7223147" algn="l"/>
-                <a:tab pos="7879796" algn="l"/>
-                <a:tab pos="8536446" algn="l"/>
-              </a:tabLst>
-            </a:pPr>
-            <a:r>
-              <a:rPr lang="en-US" dirty="0"/>
-              <a:t>    System state compromised or unknown during the installation of the update; this may (for example) lead to:</a:t>
-            </a:r>
-          </a:p>
-          <a:p>
-            <a:pPr marL="391686" indent="-293764">
-              <a:buSzPct val="45000"/>
-              <a:buFont typeface="StarSymbol" charset="0"/>
-              <a:buChar char="●"/>
-              <a:tabLst>
-                <a:tab pos="656650" algn="l"/>
-                <a:tab pos="1313299" algn="l"/>
-                <a:tab pos="1969949" algn="l"/>
-                <a:tab pos="2626599" algn="l"/>
-                <a:tab pos="3283248" algn="l"/>
-                <a:tab pos="3939898" algn="l"/>
-                <a:tab pos="4596548" algn="l"/>
-                <a:tab pos="5253198" algn="l"/>
-                <a:tab pos="5909847" algn="l"/>
-                <a:tab pos="6566497" algn="l"/>
-                <a:tab pos="7223147" algn="l"/>
-                <a:tab pos="7879796" algn="l"/>
-                <a:tab pos="8536446" algn="l"/>
-              </a:tabLst>
-            </a:pPr>
-            <a:r>
-              <a:rPr lang="en-US" dirty="0"/>
-              <a:t>        Missing elements during the installation, some of which may be security fixes</a:t>
-            </a:r>
-          </a:p>
-          <a:p>
-            <a:pPr marL="391686" indent="-293764">
-              <a:buSzPct val="45000"/>
-              <a:buFont typeface="StarSymbol" charset="0"/>
-              <a:buChar char="●"/>
-              <a:tabLst>
-                <a:tab pos="656650" algn="l"/>
-                <a:tab pos="1313299" algn="l"/>
-                <a:tab pos="1969949" algn="l"/>
-                <a:tab pos="2626599" algn="l"/>
-                <a:tab pos="3283248" algn="l"/>
-                <a:tab pos="3939898" algn="l"/>
-                <a:tab pos="4596548" algn="l"/>
-                <a:tab pos="5253198" algn="l"/>
-                <a:tab pos="5909847" algn="l"/>
-                <a:tab pos="6566497" algn="l"/>
-                <a:tab pos="7223147" algn="l"/>
-                <a:tab pos="7879796" algn="l"/>
-                <a:tab pos="8536446" algn="l"/>
-              </a:tabLst>
-            </a:pPr>
-            <a:r>
-              <a:rPr lang="en-US" dirty="0"/>
-              <a:t>        Security fixes reverted by the compromised system after upgrade</a:t>
-            </a:r>
-          </a:p>
-          <a:p>
-            <a:pPr marL="391686" indent="-293764">
-              <a:buSzPct val="45000"/>
-              <a:buFont typeface="StarSymbol" charset="0"/>
-              <a:buChar char="●"/>
-              <a:tabLst>
-                <a:tab pos="656650" algn="l"/>
-                <a:tab pos="1313299" algn="l"/>
-                <a:tab pos="1969949" algn="l"/>
-                <a:tab pos="2626599" algn="l"/>
-                <a:tab pos="3283248" algn="l"/>
-                <a:tab pos="3939898" algn="l"/>
-                <a:tab pos="4596548" algn="l"/>
-                <a:tab pos="5253198" algn="l"/>
-                <a:tab pos="5909847" algn="l"/>
-                <a:tab pos="6566497" algn="l"/>
-                <a:tab pos="7223147" algn="l"/>
-                <a:tab pos="7879796" algn="l"/>
-                <a:tab pos="8536446" algn="l"/>
-              </a:tabLst>
-            </a:pPr>
-            <a:r>
-              <a:rPr lang="en-US" dirty="0"/>
-              <a:t>    Vulnerabilities in the update checking mechanism running on the device</a:t>
-            </a:r>
-          </a:p>
-          <a:p>
-            <a:pPr marL="391686" indent="-293764">
-              <a:buSzPct val="45000"/>
-              <a:buFont typeface="StarSymbol" charset="0"/>
-              <a:buChar char="●"/>
-              <a:tabLst>
-                <a:tab pos="656650" algn="l"/>
-                <a:tab pos="1313299" algn="l"/>
-                <a:tab pos="1969949" algn="l"/>
-                <a:tab pos="2626599" algn="l"/>
-                <a:tab pos="3283248" algn="l"/>
-                <a:tab pos="3939898" algn="l"/>
-                <a:tab pos="4596548" algn="l"/>
-                <a:tab pos="5253198" algn="l"/>
-                <a:tab pos="5909847" algn="l"/>
-                <a:tab pos="6566497" algn="l"/>
-                <a:tab pos="7223147" algn="l"/>
-                <a:tab pos="7879796" algn="l"/>
-                <a:tab pos="8536446" algn="l"/>
-              </a:tabLst>
-            </a:pPr>
-            <a:r>
-              <a:rPr lang="en-US" dirty="0"/>
-              <a:t>    Lack of updates or tracking for a software component with a known vulnerability</a:t>
-            </a:r>
-          </a:p>
-          <a:p>
-            <a:pPr marL="391686" indent="-293764">
-              <a:buSzPct val="45000"/>
-              <a:buNone/>
-              <a:tabLst>
-                <a:tab pos="656650" algn="l"/>
-                <a:tab pos="1313299" algn="l"/>
-                <a:tab pos="1969949" algn="l"/>
-                <a:tab pos="2626599" algn="l"/>
-                <a:tab pos="3283248" algn="l"/>
-                <a:tab pos="3939898" algn="l"/>
-                <a:tab pos="4596548" algn="l"/>
-                <a:tab pos="5253198" algn="l"/>
-                <a:tab pos="5909847" algn="l"/>
-                <a:tab pos="6566497" algn="l"/>
-                <a:tab pos="7223147" algn="l"/>
-                <a:tab pos="7879796" algn="l"/>
-                <a:tab pos="8536446" algn="l"/>
-              </a:tabLst>
-            </a:pPr>
-            <a:endParaRPr lang="en-US" dirty="0"/>
-          </a:p>
-        </p:txBody>
-      </p:sp>
-    </p:spTree>
-  </p:cSld>
-  <p:clrMapOvr>
-    <a:masterClrMapping/>
-  </p:clrMapOvr>
-  <p:transition spd="med"/>
-  <p:timing>
-    <p:tnLst>
-      <p:par>
-        <p:cTn id="1" dur="indefinite" nodeType="tmRoot">
-          <p:childTnLst>
-            <p:seq concurrent="1" nextAc="seek">
-              <p:cTn id="2" dur="0" nodeType="mainSeq"/>
-              <p:prevCondLst>
-                <p:cond evt="onPrev" delay="0">
-                  <p:tgtEl>
-                    <p:sldTgt/>
-                  </p:tgtEl>
-                </p:cond>
-              </p:prevCondLst>
-              <p:nextCondLst>
-                <p:cond evt="onNext" delay="0">
-                  <p:tgtEl>
-                    <p:sldTgt/>
-                  </p:tgtEl>
-                </p:cond>
-              </p:nextCondLst>
-            </p:seq>
-          </p:childTnLst>
-        </p:cTn>
-      </p:par>
-    </p:tnLst>
-  </p:timing>
-</p:sld>
-</file>
-
-<file path=ppt/slides/slide42.xml><?xml version="1.0" encoding="utf-8"?>
-<p:sld xmlns:a="http://schemas.openxmlformats.org/drawingml/2006/main" xmlns:r="http://schemas.openxmlformats.org/officeDocument/2006/relationships" xmlns:p="http://schemas.openxmlformats.org/presentationml/2006/main">
-  <p:cSld>
-    <p:spTree>
-      <p:nvGrpSpPr>
-        <p:cNvPr id="1" name=""/>
-        <p:cNvGrpSpPr/>
-        <p:nvPr/>
-      </p:nvGrpSpPr>
-      <p:grpSpPr>
-        <a:xfrm>
-          <a:off x="0" y="0"/>
-          <a:ext cx="0" cy="0"/>
-          <a:chOff x="0" y="0"/>
-          <a:chExt cx="0" cy="0"/>
-        </a:xfrm>
-      </p:grpSpPr>
-      <p:sp>
-        <p:nvSpPr>
-          <p:cNvPr id="14337" name="Rectangle 1"/>
-          <p:cNvSpPr>
-            <a:spLocks noGrp="1" noChangeArrowheads="1"/>
-          </p:cNvSpPr>
-          <p:nvPr>
-            <p:ph type="title"/>
-          </p:nvPr>
-        </p:nvSpPr>
-        <p:spPr>
-          <a:xfrm>
-            <a:off x="456481" y="273629"/>
-            <a:ext cx="8228160" cy="1144921"/>
-          </a:xfrm>
-          <a:ln/>
-        </p:spPr>
-        <p:txBody>
-          <a:bodyPr tIns="35203" bIns="41473"/>
-          <a:lstStyle/>
-          <a:p>
-            <a:pPr>
-              <a:tabLst>
-                <a:tab pos="656650" algn="l"/>
-                <a:tab pos="1313299" algn="l"/>
-                <a:tab pos="1969949" algn="l"/>
-                <a:tab pos="2626599" algn="l"/>
-                <a:tab pos="3283248" algn="l"/>
-                <a:tab pos="3939898" algn="l"/>
-                <a:tab pos="4596548" algn="l"/>
-                <a:tab pos="5253198" algn="l"/>
-                <a:tab pos="5909847" algn="l"/>
-                <a:tab pos="6566497" algn="l"/>
-                <a:tab pos="7223147" algn="l"/>
-                <a:tab pos="7879796" algn="l"/>
-              </a:tabLst>
-            </a:pPr>
-            <a:r>
-              <a:rPr lang="en-US" dirty="0"/>
-              <a:t>App types</a:t>
-            </a:r>
-          </a:p>
-        </p:txBody>
-      </p:sp>
-      <p:sp>
-        <p:nvSpPr>
-          <p:cNvPr id="14338" name="Rectangle 2"/>
+              <a:t>Design principles</a:t>
+            </a:r>
+          </a:p>
+        </p:txBody>
+      </p:sp>
+      <p:sp>
+        <p:nvSpPr>
+          <p:cNvPr id="17410" name="Rectangle 2"/>
           <p:cNvSpPr>
             <a:spLocks noGrp="1" noChangeArrowheads="1"/>
           </p:cNvSpPr>
@@ -16889,7 +16126,7 @@
             </a:pPr>
             <a:r>
               <a:rPr lang="en-US" dirty="0"/>
-              <a:t>    Web Apps: Most third-party apps will be "Web" Apps, which is the default type, and doesn't grant the App any additional permissions besides those already exposed to the web. Web Apps can be installed from any website, without any further verification, but as a</a:t>
+              <a:t>    Updates should minimize impact to the user; don't interrupt the user any more than necessary, don't adversely impact their connection speed, and so forth.</a:t>
             </a:r>
           </a:p>
           <a:p>
@@ -16914,7 +16151,7 @@
             </a:pPr>
             <a:r>
               <a:rPr lang="en-US" dirty="0"/>
-              <a:t>    Privileged Apps: These Apps are allowed to request increased permissions, and as such Privileged Apps must be verified and signed by a Marketplace</a:t>
+              <a:t>    Don't charge the user to update their apps.</a:t>
             </a:r>
           </a:p>
           <a:p>
@@ -16939,7 +16176,65 @@
             </a:pPr>
             <a:r>
               <a:rPr lang="en-US" dirty="0"/>
-              <a:t>    Certified Apps: Certified Apps can currently only be pre-installed on the device.</a:t>
+              <a:t>    Minimize the consequences of failed updates.</a:t>
+            </a:r>
+          </a:p>
+          <a:p>
+            <a:pPr marL="391686" indent="-293764">
+              <a:buSzPct val="45000"/>
+              <a:buFont typeface="StarSymbol" charset="0"/>
+              <a:buChar char="●"/>
+              <a:tabLst>
+                <a:tab pos="656650" algn="l"/>
+                <a:tab pos="1313299" algn="l"/>
+                <a:tab pos="1969949" algn="l"/>
+                <a:tab pos="2626599" algn="l"/>
+                <a:tab pos="3283248" algn="l"/>
+                <a:tab pos="3939898" algn="l"/>
+                <a:tab pos="4596548" algn="l"/>
+                <a:tab pos="5253198" algn="l"/>
+                <a:tab pos="5909847" algn="l"/>
+                <a:tab pos="6566497" algn="l"/>
+                <a:tab pos="7223147" algn="l"/>
+                <a:tab pos="7879796" algn="l"/>
+              </a:tabLst>
+            </a:pPr>
+            <a:r>
+              <a:rPr lang="en-US" dirty="0"/>
+              <a:t>    Support backward compatibility for users who can't update their apps, or aren't able to update them often.</a:t>
+            </a:r>
+          </a:p>
+          <a:p>
+            <a:pPr marL="391686" indent="-293764">
+              <a:buSzPct val="45000"/>
+              <a:buFont typeface="StarSymbol" charset="0"/>
+              <a:buChar char="●"/>
+              <a:tabLst>
+                <a:tab pos="656650" algn="l"/>
+                <a:tab pos="1313299" algn="l"/>
+                <a:tab pos="1969949" algn="l"/>
+                <a:tab pos="2626599" algn="l"/>
+                <a:tab pos="3283248" algn="l"/>
+                <a:tab pos="3939898" algn="l"/>
+                <a:tab pos="4596548" algn="l"/>
+                <a:tab pos="5253198" algn="l"/>
+                <a:tab pos="5909847" algn="l"/>
+                <a:tab pos="6566497" algn="l"/>
+                <a:tab pos="7223147" algn="l"/>
+                <a:tab pos="7879796" algn="l"/>
+              </a:tabLst>
+            </a:pPr>
+            <a:r>
+              <a:rPr lang="en-US" dirty="0"/>
+              <a:t>    Avoid presenting users with </a:t>
+            </a:r>
+            <a:r>
+              <a:rPr lang="en-US" dirty="0" err="1"/>
+              <a:t>unneccessary</a:t>
+            </a:r>
+            <a:r>
+              <a:rPr lang="en-US" dirty="0"/>
+              <a:t> technical details.</a:t>
             </a:r>
           </a:p>
           <a:p>
@@ -16964,28 +16259,6 @@
             </a:pPr>
             <a:endParaRPr lang="en-US" dirty="0"/>
           </a:p>
-          <a:p>
-            <a:pPr marL="391686" indent="-293764">
-              <a:buSzPct val="45000"/>
-              <a:buFont typeface="StarSymbol" charset="0"/>
-              <a:buChar char="●"/>
-              <a:tabLst>
-                <a:tab pos="656650" algn="l"/>
-                <a:tab pos="1313299" algn="l"/>
-                <a:tab pos="1969949" algn="l"/>
-                <a:tab pos="2626599" algn="l"/>
-                <a:tab pos="3283248" algn="l"/>
-                <a:tab pos="3939898" algn="l"/>
-                <a:tab pos="4596548" algn="l"/>
-                <a:tab pos="5253198" algn="l"/>
-                <a:tab pos="5909847" algn="l"/>
-                <a:tab pos="6566497" algn="l"/>
-                <a:tab pos="7223147" algn="l"/>
-                <a:tab pos="7879796" algn="l"/>
-              </a:tabLst>
-            </a:pPr>
-            <a:endParaRPr lang="en-US" dirty="0"/>
-          </a:p>
         </p:txBody>
       </p:sp>
     </p:spTree>
@@ -16997,837 +16270,7 @@
   <p:timing>
     <p:tnLst>
       <p:par>
-        <p:cTn id="1" dur="indefinite" nodeType="tmRoot">
-          <p:childTnLst>
-            <p:seq concurrent="1" nextAc="seek">
-              <p:cTn id="2" dur="0" nodeType="mainSeq"/>
-              <p:prevCondLst>
-                <p:cond evt="onPrev" delay="0">
-                  <p:tgtEl>
-                    <p:sldTgt/>
-                  </p:tgtEl>
-                </p:cond>
-              </p:prevCondLst>
-              <p:nextCondLst>
-                <p:cond evt="onNext" delay="0">
-                  <p:tgtEl>
-                    <p:sldTgt/>
-                  </p:tgtEl>
-                </p:cond>
-              </p:nextCondLst>
-            </p:seq>
-          </p:childTnLst>
-        </p:cTn>
-      </p:par>
-    </p:tnLst>
-  </p:timing>
-</p:sld>
-</file>
-
-<file path=ppt/slides/slide43.xml><?xml version="1.0" encoding="utf-8"?>
-<p:sld xmlns:a="http://schemas.openxmlformats.org/drawingml/2006/main" xmlns:r="http://schemas.openxmlformats.org/officeDocument/2006/relationships" xmlns:p="http://schemas.openxmlformats.org/presentationml/2006/main">
-  <p:cSld>
-    <p:spTree>
-      <p:nvGrpSpPr>
-        <p:cNvPr id="1" name=""/>
-        <p:cNvGrpSpPr/>
-        <p:nvPr/>
-      </p:nvGrpSpPr>
-      <p:grpSpPr>
-        <a:xfrm>
-          <a:off x="0" y="0"/>
-          <a:ext cx="0" cy="0"/>
-          <a:chOff x="0" y="0"/>
-          <a:chExt cx="0" cy="0"/>
-        </a:xfrm>
-      </p:grpSpPr>
-      <p:sp>
-        <p:nvSpPr>
-          <p:cNvPr id="15361" name="Rectangle 1"/>
-          <p:cNvSpPr>
-            <a:spLocks noGrp="1" noChangeArrowheads="1"/>
-          </p:cNvSpPr>
-          <p:nvPr>
-            <p:ph type="title"/>
-          </p:nvPr>
-        </p:nvSpPr>
-        <p:spPr>
-          <a:xfrm>
-            <a:off x="456481" y="273629"/>
-            <a:ext cx="8228160" cy="1144921"/>
-          </a:xfrm>
-          <a:ln/>
-        </p:spPr>
-        <p:txBody>
-          <a:bodyPr tIns="35203" bIns="41473"/>
-          <a:lstStyle/>
-          <a:p>
-            <a:pPr>
-              <a:tabLst>
-                <a:tab pos="656650" algn="l"/>
-                <a:tab pos="1313299" algn="l"/>
-                <a:tab pos="1969949" algn="l"/>
-                <a:tab pos="2626599" algn="l"/>
-                <a:tab pos="3283248" algn="l"/>
-                <a:tab pos="3939898" algn="l"/>
-                <a:tab pos="4596548" algn="l"/>
-                <a:tab pos="5253198" algn="l"/>
-                <a:tab pos="5909847" algn="l"/>
-                <a:tab pos="6566497" algn="l"/>
-                <a:tab pos="7223147" algn="l"/>
-                <a:tab pos="7879796" algn="l"/>
-              </a:tabLst>
-            </a:pPr>
-            <a:r>
-              <a:rPr lang="en-US" dirty="0"/>
-              <a:t>App Installation</a:t>
-            </a:r>
-          </a:p>
-        </p:txBody>
-      </p:sp>
-      <p:sp>
-        <p:nvSpPr>
-          <p:cNvPr id="15362" name="Rectangle 2"/>
-          <p:cNvSpPr>
-            <a:spLocks noGrp="1" noChangeArrowheads="1"/>
-          </p:cNvSpPr>
-          <p:nvPr>
-            <p:ph type="body" idx="1"/>
-          </p:nvPr>
-        </p:nvSpPr>
-        <p:spPr>
-          <a:xfrm>
-            <a:off x="456480" y="1604329"/>
-            <a:ext cx="8045280" cy="3977698"/>
-          </a:xfrm>
-          <a:ln/>
-        </p:spPr>
-        <p:txBody>
-          <a:bodyPr lIns="82945" tIns="41473" rIns="82945" bIns="41473">
-            <a:normAutofit fontScale="77500" lnSpcReduction="20000"/>
-          </a:bodyPr>
-          <a:lstStyle/>
-          <a:p>
-            <a:pPr marL="391686" indent="-293764">
-              <a:buSzPct val="45000"/>
-              <a:buNone/>
-              <a:tabLst>
-                <a:tab pos="656650" algn="l"/>
-                <a:tab pos="1313299" algn="l"/>
-                <a:tab pos="1969949" algn="l"/>
-                <a:tab pos="2626599" algn="l"/>
-                <a:tab pos="3283248" algn="l"/>
-                <a:tab pos="3939898" algn="l"/>
-                <a:tab pos="4596548" algn="l"/>
-                <a:tab pos="5253198" algn="l"/>
-                <a:tab pos="5909847" algn="l"/>
-                <a:tab pos="6566497" algn="l"/>
-                <a:tab pos="7223147" algn="l"/>
-                <a:tab pos="7879796" algn="l"/>
-              </a:tabLst>
-            </a:pPr>
-            <a:endParaRPr lang="en-US" dirty="0"/>
-          </a:p>
-          <a:p>
-            <a:pPr marL="391686" indent="-293764">
-              <a:buSzPct val="45000"/>
-              <a:buFont typeface="StarSymbol" charset="0"/>
-              <a:buChar char="●"/>
-              <a:tabLst>
-                <a:tab pos="656650" algn="l"/>
-                <a:tab pos="1313299" algn="l"/>
-                <a:tab pos="1969949" algn="l"/>
-                <a:tab pos="2626599" algn="l"/>
-                <a:tab pos="3283248" algn="l"/>
-                <a:tab pos="3939898" algn="l"/>
-                <a:tab pos="4596548" algn="l"/>
-                <a:tab pos="5253198" algn="l"/>
-                <a:tab pos="5909847" algn="l"/>
-                <a:tab pos="6566497" algn="l"/>
-                <a:tab pos="7223147" algn="l"/>
-                <a:tab pos="7879796" algn="l"/>
-              </a:tabLst>
-            </a:pPr>
-            <a:r>
-              <a:rPr lang="en-US" dirty="0"/>
-              <a:t>    Hosted apps: Hosted apps are installed by calling </a:t>
-            </a:r>
-            <a:r>
-              <a:rPr lang="en-US" dirty="0" err="1"/>
-              <a:t>navigator.mozApps.install</a:t>
-            </a:r>
-            <a:r>
-              <a:rPr lang="en-US" dirty="0"/>
-              <a:t>(</a:t>
-            </a:r>
-            <a:r>
-              <a:rPr lang="en-US" dirty="0" err="1"/>
-              <a:t>manifestURL</a:t>
-            </a:r>
-            <a:r>
-              <a:rPr lang="en-US" dirty="0"/>
-              <a:t>), where </a:t>
-            </a:r>
-            <a:r>
-              <a:rPr lang="en-US" dirty="0" err="1"/>
-              <a:t>manifestURL</a:t>
-            </a:r>
-            <a:r>
-              <a:rPr lang="en-US" dirty="0"/>
-              <a:t> is a URL that specifies the location of the app. For further details, see Installing Apps.</a:t>
-            </a:r>
-          </a:p>
-          <a:p>
-            <a:pPr marL="391686" indent="-293764">
-              <a:buSzPct val="45000"/>
-              <a:buFont typeface="StarSymbol" charset="0"/>
-              <a:buChar char="●"/>
-              <a:tabLst>
-                <a:tab pos="656650" algn="l"/>
-                <a:tab pos="1313299" algn="l"/>
-                <a:tab pos="1969949" algn="l"/>
-                <a:tab pos="2626599" algn="l"/>
-                <a:tab pos="3283248" algn="l"/>
-                <a:tab pos="3939898" algn="l"/>
-                <a:tab pos="4596548" algn="l"/>
-                <a:tab pos="5253198" algn="l"/>
-                <a:tab pos="5909847" algn="l"/>
-                <a:tab pos="6566497" algn="l"/>
-                <a:tab pos="7223147" algn="l"/>
-                <a:tab pos="7879796" algn="l"/>
-              </a:tabLst>
-            </a:pPr>
-            <a:r>
-              <a:rPr lang="en-US" dirty="0"/>
-              <a:t>    Packaged apps: For packaged apps, the main application manifest is stored inside the package itself, so that it can be signed. There is a second "mini-manifest" that is used to start the installation and update process on the marketplace. See Installing Packaged Apps and Packaged apps for more information.</a:t>
-            </a:r>
-          </a:p>
-          <a:p>
-            <a:pPr marL="391686" indent="-293764">
-              <a:buSzPct val="45000"/>
-              <a:buNone/>
-              <a:tabLst>
-                <a:tab pos="656650" algn="l"/>
-                <a:tab pos="1313299" algn="l"/>
-                <a:tab pos="1969949" algn="l"/>
-                <a:tab pos="2626599" algn="l"/>
-                <a:tab pos="3283248" algn="l"/>
-                <a:tab pos="3939898" algn="l"/>
-                <a:tab pos="4596548" algn="l"/>
-                <a:tab pos="5253198" algn="l"/>
-                <a:tab pos="5909847" algn="l"/>
-                <a:tab pos="6566497" algn="l"/>
-                <a:tab pos="7223147" algn="l"/>
-                <a:tab pos="7879796" algn="l"/>
-              </a:tabLst>
-            </a:pPr>
-            <a:endParaRPr lang="en-US" dirty="0"/>
-          </a:p>
-        </p:txBody>
-      </p:sp>
-    </p:spTree>
-  </p:cSld>
-  <p:clrMapOvr>
-    <a:masterClrMapping/>
-  </p:clrMapOvr>
-  <p:transition spd="med"/>
-  <p:timing>
-    <p:tnLst>
-      <p:par>
-        <p:cTn id="1" dur="indefinite" nodeType="tmRoot">
-          <p:childTnLst>
-            <p:seq concurrent="1" nextAc="seek">
-              <p:cTn id="2" dur="0" nodeType="mainSeq"/>
-              <p:prevCondLst>
-                <p:cond evt="onPrev" delay="0">
-                  <p:tgtEl>
-                    <p:sldTgt/>
-                  </p:tgtEl>
-                </p:cond>
-              </p:prevCondLst>
-              <p:nextCondLst>
-                <p:cond evt="onNext" delay="0">
-                  <p:tgtEl>
-                    <p:sldTgt/>
-                  </p:tgtEl>
-                </p:cond>
-              </p:nextCondLst>
-            </p:seq>
-          </p:childTnLst>
-        </p:cTn>
-      </p:par>
-    </p:tnLst>
-  </p:timing>
-</p:sld>
-</file>
-
-<file path=ppt/slides/slide44.xml><?xml version="1.0" encoding="utf-8"?>
-<p:sld xmlns:a="http://schemas.openxmlformats.org/drawingml/2006/main" xmlns:r="http://schemas.openxmlformats.org/officeDocument/2006/relationships" xmlns:p="http://schemas.openxmlformats.org/presentationml/2006/main">
-  <p:cSld>
-    <p:spTree>
-      <p:nvGrpSpPr>
-        <p:cNvPr id="1" name=""/>
-        <p:cNvGrpSpPr/>
-        <p:nvPr/>
-      </p:nvGrpSpPr>
-      <p:grpSpPr>
-        <a:xfrm>
-          <a:off x="0" y="0"/>
-          <a:ext cx="0" cy="0"/>
-          <a:chOff x="0" y="0"/>
-          <a:chExt cx="0" cy="0"/>
-        </a:xfrm>
-      </p:grpSpPr>
-      <p:sp>
-        <p:nvSpPr>
-          <p:cNvPr id="16385" name="Rectangle 1"/>
-          <p:cNvSpPr>
-            <a:spLocks noGrp="1" noChangeArrowheads="1"/>
-          </p:cNvSpPr>
-          <p:nvPr>
-            <p:ph type="title"/>
-          </p:nvPr>
-        </p:nvSpPr>
-        <p:spPr>
-          <a:xfrm>
-            <a:off x="456481" y="273629"/>
-            <a:ext cx="8228160" cy="1144921"/>
-          </a:xfrm>
-          <a:ln/>
-        </p:spPr>
-        <p:txBody>
-          <a:bodyPr tIns="35203" bIns="41473"/>
-          <a:lstStyle/>
-          <a:p>
-            <a:pPr>
-              <a:tabLst>
-                <a:tab pos="656650" algn="l"/>
-                <a:tab pos="1313299" algn="l"/>
-                <a:tab pos="1969949" algn="l"/>
-                <a:tab pos="2626599" algn="l"/>
-                <a:tab pos="3283248" algn="l"/>
-                <a:tab pos="3939898" algn="l"/>
-                <a:tab pos="4596548" algn="l"/>
-                <a:tab pos="5253198" algn="l"/>
-                <a:tab pos="5909847" algn="l"/>
-                <a:tab pos="6566497" algn="l"/>
-                <a:tab pos="7223147" algn="l"/>
-                <a:tab pos="7879796" algn="l"/>
-              </a:tabLst>
-            </a:pPr>
-            <a:r>
-              <a:rPr lang="en-US" dirty="0"/>
-              <a:t>Assumptions about users</a:t>
-            </a:r>
-          </a:p>
-        </p:txBody>
-      </p:sp>
-      <p:sp>
-        <p:nvSpPr>
-          <p:cNvPr id="16386" name="Rectangle 2"/>
-          <p:cNvSpPr>
-            <a:spLocks noGrp="1" noChangeArrowheads="1"/>
-          </p:cNvSpPr>
-          <p:nvPr>
-            <p:ph type="body" idx="1"/>
-          </p:nvPr>
-        </p:nvSpPr>
-        <p:spPr>
-          <a:xfrm>
-            <a:off x="456480" y="1604329"/>
-            <a:ext cx="8045280" cy="3977698"/>
-          </a:xfrm>
-          <a:ln/>
-        </p:spPr>
-        <p:txBody>
-          <a:bodyPr lIns="82945" tIns="41473" rIns="82945" bIns="41473">
-            <a:normAutofit fontScale="77500" lnSpcReduction="20000"/>
-          </a:bodyPr>
-          <a:lstStyle/>
-          <a:p>
-            <a:pPr marL="391686" indent="-293764">
-              <a:buSzPct val="45000"/>
-              <a:buNone/>
-              <a:tabLst>
-                <a:tab pos="656650" algn="l"/>
-                <a:tab pos="1313299" algn="l"/>
-                <a:tab pos="1969949" algn="l"/>
-                <a:tab pos="2626599" algn="l"/>
-                <a:tab pos="3283248" algn="l"/>
-                <a:tab pos="3939898" algn="l"/>
-                <a:tab pos="4596548" algn="l"/>
-                <a:tab pos="5253198" algn="l"/>
-                <a:tab pos="5909847" algn="l"/>
-                <a:tab pos="6566497" algn="l"/>
-                <a:tab pos="7223147" algn="l"/>
-                <a:tab pos="7879796" algn="l"/>
-              </a:tabLst>
-            </a:pPr>
-            <a:endParaRPr lang="en-US" dirty="0"/>
-          </a:p>
-          <a:p>
-            <a:pPr marL="391686" indent="-293764">
-              <a:buSzPct val="45000"/>
-              <a:buFont typeface="StarSymbol" charset="0"/>
-              <a:buChar char="●"/>
-              <a:tabLst>
-                <a:tab pos="656650" algn="l"/>
-                <a:tab pos="1313299" algn="l"/>
-                <a:tab pos="1969949" algn="l"/>
-                <a:tab pos="2626599" algn="l"/>
-                <a:tab pos="3283248" algn="l"/>
-                <a:tab pos="3939898" algn="l"/>
-                <a:tab pos="4596548" algn="l"/>
-                <a:tab pos="5253198" algn="l"/>
-                <a:tab pos="5909847" algn="l"/>
-                <a:tab pos="6566497" algn="l"/>
-                <a:tab pos="7223147" algn="l"/>
-                <a:tab pos="7879796" algn="l"/>
-              </a:tabLst>
-            </a:pPr>
-            <a:r>
-              <a:rPr lang="en-US" dirty="0"/>
-              <a:t>    Data transfer is slow, expensive, and intentionally constrained; in other words, we assume that the user has a slow data connection and a limited amount of traffic permitted each month.</a:t>
-            </a:r>
-          </a:p>
-          <a:p>
-            <a:pPr marL="391686" indent="-293764">
-              <a:buSzPct val="45000"/>
-              <a:buFont typeface="StarSymbol" charset="0"/>
-              <a:buChar char="●"/>
-              <a:tabLst>
-                <a:tab pos="656650" algn="l"/>
-                <a:tab pos="1313299" algn="l"/>
-                <a:tab pos="1969949" algn="l"/>
-                <a:tab pos="2626599" algn="l"/>
-                <a:tab pos="3283248" algn="l"/>
-                <a:tab pos="3939898" algn="l"/>
-                <a:tab pos="4596548" algn="l"/>
-                <a:tab pos="5253198" algn="l"/>
-                <a:tab pos="5909847" algn="l"/>
-                <a:tab pos="6566497" algn="l"/>
-                <a:tab pos="7223147" algn="l"/>
-                <a:tab pos="7879796" algn="l"/>
-              </a:tabLst>
-            </a:pPr>
-            <a:r>
-              <a:rPr lang="en-US" dirty="0"/>
-              <a:t>    We assume that the user has little or no access to </a:t>
-            </a:r>
-            <a:r>
-              <a:rPr lang="en-US" dirty="0" err="1"/>
-              <a:t>WiFi</a:t>
-            </a:r>
-            <a:r>
-              <a:rPr lang="en-US" dirty="0"/>
-              <a:t>; most updates will be performed over their cellular data connection.</a:t>
-            </a:r>
-          </a:p>
-          <a:p>
-            <a:pPr marL="391686" indent="-293764">
-              <a:buSzPct val="45000"/>
-              <a:buFont typeface="StarSymbol" charset="0"/>
-              <a:buChar char="●"/>
-              <a:tabLst>
-                <a:tab pos="656650" algn="l"/>
-                <a:tab pos="1313299" algn="l"/>
-                <a:tab pos="1969949" algn="l"/>
-                <a:tab pos="2626599" algn="l"/>
-                <a:tab pos="3283248" algn="l"/>
-                <a:tab pos="3939898" algn="l"/>
-                <a:tab pos="4596548" algn="l"/>
-                <a:tab pos="5253198" algn="l"/>
-                <a:tab pos="5909847" algn="l"/>
-                <a:tab pos="6566497" algn="l"/>
-                <a:tab pos="7223147" algn="l"/>
-                <a:tab pos="7879796" algn="l"/>
-              </a:tabLst>
-            </a:pPr>
-            <a:r>
-              <a:rPr lang="en-US" dirty="0"/>
-              <a:t>    Devices are rarely roaming.</a:t>
-            </a:r>
-          </a:p>
-          <a:p>
-            <a:pPr marL="391686" indent="-293764">
-              <a:buSzPct val="45000"/>
-              <a:buFont typeface="StarSymbol" charset="0"/>
-              <a:buChar char="●"/>
-              <a:tabLst>
-                <a:tab pos="656650" algn="l"/>
-                <a:tab pos="1313299" algn="l"/>
-                <a:tab pos="1969949" algn="l"/>
-                <a:tab pos="2626599" algn="l"/>
-                <a:tab pos="3283248" algn="l"/>
-                <a:tab pos="3939898" algn="l"/>
-                <a:tab pos="4596548" algn="l"/>
-                <a:tab pos="5253198" algn="l"/>
-                <a:tab pos="5909847" algn="l"/>
-                <a:tab pos="6566497" algn="l"/>
-                <a:tab pos="7223147" algn="l"/>
-                <a:tab pos="7879796" algn="l"/>
-              </a:tabLst>
-            </a:pPr>
-            <a:r>
-              <a:rPr lang="en-US" dirty="0"/>
-              <a:t>    Users keep their data service disabled by default, enabling it only to complete certain transactions.</a:t>
-            </a:r>
-          </a:p>
-          <a:p>
-            <a:pPr marL="391686" indent="-293764">
-              <a:buSzPct val="45000"/>
-              <a:buFont typeface="StarSymbol" charset="0"/>
-              <a:buChar char="●"/>
-              <a:tabLst>
-                <a:tab pos="656650" algn="l"/>
-                <a:tab pos="1313299" algn="l"/>
-                <a:tab pos="1969949" algn="l"/>
-                <a:tab pos="2626599" algn="l"/>
-                <a:tab pos="3283248" algn="l"/>
-                <a:tab pos="3939898" algn="l"/>
-                <a:tab pos="4596548" algn="l"/>
-                <a:tab pos="5253198" algn="l"/>
-                <a:tab pos="5909847" algn="l"/>
-                <a:tab pos="6566497" algn="l"/>
-                <a:tab pos="7223147" algn="l"/>
-                <a:tab pos="7879796" algn="l"/>
-              </a:tabLst>
-            </a:pPr>
-            <a:r>
-              <a:rPr lang="en-US" dirty="0"/>
-              <a:t>    Users keep and use multiple SIM cards.</a:t>
-            </a:r>
-          </a:p>
-          <a:p>
-            <a:pPr marL="391686" indent="-293764">
-              <a:buSzPct val="45000"/>
-              <a:buNone/>
-              <a:tabLst>
-                <a:tab pos="656650" algn="l"/>
-                <a:tab pos="1313299" algn="l"/>
-                <a:tab pos="1969949" algn="l"/>
-                <a:tab pos="2626599" algn="l"/>
-                <a:tab pos="3283248" algn="l"/>
-                <a:tab pos="3939898" algn="l"/>
-                <a:tab pos="4596548" algn="l"/>
-                <a:tab pos="5253198" algn="l"/>
-                <a:tab pos="5909847" algn="l"/>
-                <a:tab pos="6566497" algn="l"/>
-                <a:tab pos="7223147" algn="l"/>
-                <a:tab pos="7879796" algn="l"/>
-              </a:tabLst>
-            </a:pPr>
-            <a:endParaRPr lang="en-US" dirty="0"/>
-          </a:p>
-        </p:txBody>
-      </p:sp>
-    </p:spTree>
-  </p:cSld>
-  <p:clrMapOvr>
-    <a:masterClrMapping/>
-  </p:clrMapOvr>
-  <p:transition spd="med"/>
-  <p:timing>
-    <p:tnLst>
-      <p:par>
-        <p:cTn id="1" dur="indefinite" nodeType="tmRoot">
-          <p:childTnLst>
-            <p:seq concurrent="1" nextAc="seek">
-              <p:cTn id="2" dur="0" nodeType="mainSeq"/>
-              <p:prevCondLst>
-                <p:cond evt="onPrev" delay="0">
-                  <p:tgtEl>
-                    <p:sldTgt/>
-                  </p:tgtEl>
-                </p:cond>
-              </p:prevCondLst>
-              <p:nextCondLst>
-                <p:cond evt="onNext" delay="0">
-                  <p:tgtEl>
-                    <p:sldTgt/>
-                  </p:tgtEl>
-                </p:cond>
-              </p:nextCondLst>
-            </p:seq>
-          </p:childTnLst>
-        </p:cTn>
-      </p:par>
-    </p:tnLst>
-  </p:timing>
-</p:sld>
-</file>
-
-<file path=ppt/slides/slide45.xml><?xml version="1.0" encoding="utf-8"?>
-<p:sld xmlns:a="http://schemas.openxmlformats.org/drawingml/2006/main" xmlns:r="http://schemas.openxmlformats.org/officeDocument/2006/relationships" xmlns:p="http://schemas.openxmlformats.org/presentationml/2006/main">
-  <p:cSld>
-    <p:spTree>
-      <p:nvGrpSpPr>
-        <p:cNvPr id="1" name=""/>
-        <p:cNvGrpSpPr/>
-        <p:nvPr/>
-      </p:nvGrpSpPr>
-      <p:grpSpPr>
-        <a:xfrm>
-          <a:off x="0" y="0"/>
-          <a:ext cx="0" cy="0"/>
-          <a:chOff x="0" y="0"/>
-          <a:chExt cx="0" cy="0"/>
-        </a:xfrm>
-      </p:grpSpPr>
-      <p:sp>
-        <p:nvSpPr>
-          <p:cNvPr id="17409" name="Rectangle 1"/>
-          <p:cNvSpPr>
-            <a:spLocks noGrp="1" noChangeArrowheads="1"/>
-          </p:cNvSpPr>
-          <p:nvPr>
-            <p:ph type="title"/>
-          </p:nvPr>
-        </p:nvSpPr>
-        <p:spPr>
-          <a:xfrm>
-            <a:off x="456481" y="273629"/>
-            <a:ext cx="8228160" cy="1144921"/>
-          </a:xfrm>
-          <a:ln/>
-        </p:spPr>
-        <p:txBody>
-          <a:bodyPr tIns="35203" bIns="41473"/>
-          <a:lstStyle/>
-          <a:p>
-            <a:pPr>
-              <a:tabLst>
-                <a:tab pos="656650" algn="l"/>
-                <a:tab pos="1313299" algn="l"/>
-                <a:tab pos="1969949" algn="l"/>
-                <a:tab pos="2626599" algn="l"/>
-                <a:tab pos="3283248" algn="l"/>
-                <a:tab pos="3939898" algn="l"/>
-                <a:tab pos="4596548" algn="l"/>
-                <a:tab pos="5253198" algn="l"/>
-                <a:tab pos="5909847" algn="l"/>
-                <a:tab pos="6566497" algn="l"/>
-                <a:tab pos="7223147" algn="l"/>
-                <a:tab pos="7879796" algn="l"/>
-              </a:tabLst>
-            </a:pPr>
-            <a:r>
-              <a:rPr lang="en-US" dirty="0"/>
-              <a:t>Design principles</a:t>
-            </a:r>
-          </a:p>
-        </p:txBody>
-      </p:sp>
-      <p:sp>
-        <p:nvSpPr>
-          <p:cNvPr id="17410" name="Rectangle 2"/>
-          <p:cNvSpPr>
-            <a:spLocks noGrp="1" noChangeArrowheads="1"/>
-          </p:cNvSpPr>
-          <p:nvPr>
-            <p:ph type="body" idx="1"/>
-          </p:nvPr>
-        </p:nvSpPr>
-        <p:spPr>
-          <a:xfrm>
-            <a:off x="456480" y="1604329"/>
-            <a:ext cx="8045280" cy="3977698"/>
-          </a:xfrm>
-          <a:ln/>
-        </p:spPr>
-        <p:txBody>
-          <a:bodyPr lIns="82945" tIns="41473" rIns="82945" bIns="41473">
-            <a:normAutofit fontScale="77500" lnSpcReduction="20000"/>
-          </a:bodyPr>
-          <a:lstStyle/>
-          <a:p>
-            <a:pPr marL="391686" indent="-293764">
-              <a:buSzPct val="45000"/>
-              <a:buNone/>
-              <a:tabLst>
-                <a:tab pos="656650" algn="l"/>
-                <a:tab pos="1313299" algn="l"/>
-                <a:tab pos="1969949" algn="l"/>
-                <a:tab pos="2626599" algn="l"/>
-                <a:tab pos="3283248" algn="l"/>
-                <a:tab pos="3939898" algn="l"/>
-                <a:tab pos="4596548" algn="l"/>
-                <a:tab pos="5253198" algn="l"/>
-                <a:tab pos="5909847" algn="l"/>
-                <a:tab pos="6566497" algn="l"/>
-                <a:tab pos="7223147" algn="l"/>
-                <a:tab pos="7879796" algn="l"/>
-              </a:tabLst>
-            </a:pPr>
-            <a:endParaRPr lang="en-US" dirty="0"/>
-          </a:p>
-          <a:p>
-            <a:pPr marL="391686" indent="-293764">
-              <a:buSzPct val="45000"/>
-              <a:buFont typeface="StarSymbol" charset="0"/>
-              <a:buChar char="●"/>
-              <a:tabLst>
-                <a:tab pos="656650" algn="l"/>
-                <a:tab pos="1313299" algn="l"/>
-                <a:tab pos="1969949" algn="l"/>
-                <a:tab pos="2626599" algn="l"/>
-                <a:tab pos="3283248" algn="l"/>
-                <a:tab pos="3939898" algn="l"/>
-                <a:tab pos="4596548" algn="l"/>
-                <a:tab pos="5253198" algn="l"/>
-                <a:tab pos="5909847" algn="l"/>
-                <a:tab pos="6566497" algn="l"/>
-                <a:tab pos="7223147" algn="l"/>
-                <a:tab pos="7879796" algn="l"/>
-              </a:tabLst>
-            </a:pPr>
-            <a:r>
-              <a:rPr lang="en-US" dirty="0"/>
-              <a:t>    Updates should minimize impact to the user; don't interrupt the user any more than necessary, don't adversely impact their connection speed, and so forth.</a:t>
-            </a:r>
-          </a:p>
-          <a:p>
-            <a:pPr marL="391686" indent="-293764">
-              <a:buSzPct val="45000"/>
-              <a:buFont typeface="StarSymbol" charset="0"/>
-              <a:buChar char="●"/>
-              <a:tabLst>
-                <a:tab pos="656650" algn="l"/>
-                <a:tab pos="1313299" algn="l"/>
-                <a:tab pos="1969949" algn="l"/>
-                <a:tab pos="2626599" algn="l"/>
-                <a:tab pos="3283248" algn="l"/>
-                <a:tab pos="3939898" algn="l"/>
-                <a:tab pos="4596548" algn="l"/>
-                <a:tab pos="5253198" algn="l"/>
-                <a:tab pos="5909847" algn="l"/>
-                <a:tab pos="6566497" algn="l"/>
-                <a:tab pos="7223147" algn="l"/>
-                <a:tab pos="7879796" algn="l"/>
-              </a:tabLst>
-            </a:pPr>
-            <a:r>
-              <a:rPr lang="en-US" dirty="0"/>
-              <a:t>    Don't charge the user to update their apps.</a:t>
-            </a:r>
-          </a:p>
-          <a:p>
-            <a:pPr marL="391686" indent="-293764">
-              <a:buSzPct val="45000"/>
-              <a:buFont typeface="StarSymbol" charset="0"/>
-              <a:buChar char="●"/>
-              <a:tabLst>
-                <a:tab pos="656650" algn="l"/>
-                <a:tab pos="1313299" algn="l"/>
-                <a:tab pos="1969949" algn="l"/>
-                <a:tab pos="2626599" algn="l"/>
-                <a:tab pos="3283248" algn="l"/>
-                <a:tab pos="3939898" algn="l"/>
-                <a:tab pos="4596548" algn="l"/>
-                <a:tab pos="5253198" algn="l"/>
-                <a:tab pos="5909847" algn="l"/>
-                <a:tab pos="6566497" algn="l"/>
-                <a:tab pos="7223147" algn="l"/>
-                <a:tab pos="7879796" algn="l"/>
-              </a:tabLst>
-            </a:pPr>
-            <a:r>
-              <a:rPr lang="en-US" dirty="0"/>
-              <a:t>    Minimize the consequences of failed updates.</a:t>
-            </a:r>
-          </a:p>
-          <a:p>
-            <a:pPr marL="391686" indent="-293764">
-              <a:buSzPct val="45000"/>
-              <a:buFont typeface="StarSymbol" charset="0"/>
-              <a:buChar char="●"/>
-              <a:tabLst>
-                <a:tab pos="656650" algn="l"/>
-                <a:tab pos="1313299" algn="l"/>
-                <a:tab pos="1969949" algn="l"/>
-                <a:tab pos="2626599" algn="l"/>
-                <a:tab pos="3283248" algn="l"/>
-                <a:tab pos="3939898" algn="l"/>
-                <a:tab pos="4596548" algn="l"/>
-                <a:tab pos="5253198" algn="l"/>
-                <a:tab pos="5909847" algn="l"/>
-                <a:tab pos="6566497" algn="l"/>
-                <a:tab pos="7223147" algn="l"/>
-                <a:tab pos="7879796" algn="l"/>
-              </a:tabLst>
-            </a:pPr>
-            <a:r>
-              <a:rPr lang="en-US" dirty="0"/>
-              <a:t>    Support backward compatibility for users who can't update their apps, or aren't able to update them often.</a:t>
-            </a:r>
-          </a:p>
-          <a:p>
-            <a:pPr marL="391686" indent="-293764">
-              <a:buSzPct val="45000"/>
-              <a:buFont typeface="StarSymbol" charset="0"/>
-              <a:buChar char="●"/>
-              <a:tabLst>
-                <a:tab pos="656650" algn="l"/>
-                <a:tab pos="1313299" algn="l"/>
-                <a:tab pos="1969949" algn="l"/>
-                <a:tab pos="2626599" algn="l"/>
-                <a:tab pos="3283248" algn="l"/>
-                <a:tab pos="3939898" algn="l"/>
-                <a:tab pos="4596548" algn="l"/>
-                <a:tab pos="5253198" algn="l"/>
-                <a:tab pos="5909847" algn="l"/>
-                <a:tab pos="6566497" algn="l"/>
-                <a:tab pos="7223147" algn="l"/>
-                <a:tab pos="7879796" algn="l"/>
-              </a:tabLst>
-            </a:pPr>
-            <a:r>
-              <a:rPr lang="en-US" dirty="0"/>
-              <a:t>    Avoid presenting users with </a:t>
-            </a:r>
-            <a:r>
-              <a:rPr lang="en-US" dirty="0" err="1"/>
-              <a:t>unneccessary</a:t>
-            </a:r>
-            <a:r>
-              <a:rPr lang="en-US" dirty="0"/>
-              <a:t> technical details.</a:t>
-            </a:r>
-          </a:p>
-          <a:p>
-            <a:pPr marL="391686" indent="-293764">
-              <a:buSzPct val="45000"/>
-              <a:buFont typeface="StarSymbol" charset="0"/>
-              <a:buChar char="●"/>
-              <a:tabLst>
-                <a:tab pos="656650" algn="l"/>
-                <a:tab pos="1313299" algn="l"/>
-                <a:tab pos="1969949" algn="l"/>
-                <a:tab pos="2626599" algn="l"/>
-                <a:tab pos="3283248" algn="l"/>
-                <a:tab pos="3939898" algn="l"/>
-                <a:tab pos="4596548" algn="l"/>
-                <a:tab pos="5253198" algn="l"/>
-                <a:tab pos="5909847" algn="l"/>
-                <a:tab pos="6566497" algn="l"/>
-                <a:tab pos="7223147" algn="l"/>
-                <a:tab pos="7879796" algn="l"/>
-              </a:tabLst>
-            </a:pPr>
-            <a:endParaRPr lang="en-US" dirty="0"/>
-          </a:p>
-        </p:txBody>
-      </p:sp>
-    </p:spTree>
-  </p:cSld>
-  <p:clrMapOvr>
-    <a:masterClrMapping/>
-  </p:clrMapOvr>
-  <p:transition spd="med"/>
-  <p:timing>
-    <p:tnLst>
-      <p:par>
-        <p:cTn id="1" dur="indefinite" nodeType="tmRoot">
+        <p:cTn id="1" dur="indefinite" restart="never" nodeType="tmRoot">
           <p:childTnLst>
             <p:seq concurrent="1" nextAc="seek">
               <p:cTn id="2" dur="0" nodeType="mainSeq"/>
@@ -17890,11 +16333,7 @@
           <a:p>
             <a:r>
               <a:rPr lang="bg-BG" b="1" dirty="0" smtClean="0"/>
-              <a:t>Buttons and </a:t>
-            </a:r>
-            <a:r>
-              <a:rPr lang="bg-BG" b="1" dirty="0" smtClean="0"/>
-              <a:t>controls</a:t>
+              <a:t>Buttons and controls</a:t>
             </a:r>
             <a:endParaRPr lang="bg-BG" dirty="0"/>
           </a:p>
@@ -17928,15 +16367,14 @@
             </a:r>
             <a:r>
               <a:rPr lang="bg-BG" dirty="0" smtClean="0"/>
-              <a:t>number </a:t>
-            </a:r>
-            <a:r>
-              <a:rPr lang="bg-BG" dirty="0" smtClean="0"/>
-              <a:t>of physical hardware </a:t>
-            </a:r>
-            <a:r>
-              <a:rPr lang="bg-BG" dirty="0" smtClean="0"/>
-              <a:t>buttons</a:t>
+              <a:t>number of physical hardware buttons</a:t>
+            </a:r>
+          </a:p>
+          <a:p>
+            <a:pPr lvl="1"/>
+            <a:r>
+              <a:rPr lang="bg-BG" i="1" dirty="0" smtClean="0"/>
+              <a:t>Home button</a:t>
             </a:r>
             <a:endParaRPr lang="bg-BG" dirty="0" smtClean="0"/>
           </a:p>
@@ -17944,39 +16382,18 @@
             <a:pPr lvl="1"/>
             <a:r>
               <a:rPr lang="bg-BG" i="1" dirty="0" smtClean="0"/>
-              <a:t>Home </a:t>
-            </a:r>
-            <a:r>
-              <a:rPr lang="bg-BG" i="1" dirty="0" smtClean="0"/>
-              <a:t>button</a:t>
-            </a:r>
-            <a:endParaRPr lang="bg-BG" dirty="0" smtClean="0"/>
-          </a:p>
-          <a:p>
-            <a:pPr lvl="1"/>
-            <a:r>
-              <a:rPr lang="bg-BG" i="1" dirty="0" smtClean="0"/>
-              <a:t>Volume control </a:t>
-            </a:r>
-            <a:r>
-              <a:rPr lang="bg-BG" i="1" dirty="0" smtClean="0"/>
-              <a:t>rocker</a:t>
+              <a:t>Volume control rocker</a:t>
             </a:r>
             <a:r>
               <a:rPr lang="bg-BG" dirty="0" smtClean="0"/>
               <a:t>.</a:t>
             </a:r>
-            <a:endParaRPr lang="bg-BG" dirty="0" smtClean="0"/>
           </a:p>
           <a:p>
             <a:pPr lvl="1"/>
             <a:r>
               <a:rPr lang="bg-BG" i="1" dirty="0" smtClean="0"/>
-              <a:t>Power </a:t>
-            </a:r>
-            <a:r>
-              <a:rPr lang="bg-BG" i="1" dirty="0" smtClean="0"/>
-              <a:t>button</a:t>
+              <a:t>Power button</a:t>
             </a:r>
             <a:endParaRPr lang="bg-BG" dirty="0" smtClean="0"/>
           </a:p>
@@ -18064,23 +16481,11 @@
           <a:p>
             <a:r>
               <a:rPr lang="bg-BG" b="1" dirty="0" smtClean="0"/>
-              <a:t>July </a:t>
-            </a:r>
-            <a:r>
-              <a:rPr lang="bg-BG" b="1" dirty="0" smtClean="0"/>
-              <a:t>25, </a:t>
-            </a:r>
-            <a:r>
-              <a:rPr lang="bg-BG" b="1" dirty="0" smtClean="0"/>
-              <a:t>2011</a:t>
+              <a:t>July 25, 2011</a:t>
             </a:r>
             <a:r>
               <a:rPr lang="en-US" b="1" dirty="0" smtClean="0"/>
-              <a:t> </a:t>
-            </a:r>
-            <a:r>
-              <a:rPr lang="en-US" b="1" dirty="0" smtClean="0"/>
-              <a:t>– </a:t>
+              <a:t> – </a:t>
             </a:r>
             <a:r>
               <a:rPr lang="en-US" dirty="0" smtClean="0"/>
@@ -18088,11 +16493,7 @@
             </a:r>
             <a:r>
               <a:rPr lang="bg-BG" dirty="0" smtClean="0"/>
-              <a:t> </a:t>
-            </a:r>
-            <a:r>
-              <a:rPr lang="bg-BG" dirty="0" smtClean="0"/>
-              <a:t>the "Boot to Gecko" Project </a:t>
+              <a:t> the "Boot to Gecko" Project </a:t>
             </a:r>
             <a:endParaRPr lang="en-US" dirty="0" smtClean="0"/>
           </a:p>
@@ -18103,11 +16504,7 @@
             </a:r>
             <a:r>
               <a:rPr lang="bg-BG" dirty="0" smtClean="0"/>
-              <a:t>he </a:t>
-            </a:r>
-            <a:r>
-              <a:rPr lang="bg-BG" dirty="0" smtClean="0"/>
-              <a:t>goal </a:t>
+              <a:t>he goal </a:t>
             </a:r>
             <a:r>
               <a:rPr lang="en-US" dirty="0" smtClean="0"/>
@@ -18115,58 +16512,30 @@
             </a:r>
             <a:r>
               <a:rPr lang="bg-BG" dirty="0" smtClean="0"/>
-              <a:t>building </a:t>
-            </a:r>
+              <a:t>building a complete, standalone operating system for the open web</a:t>
+            </a:r>
+            <a:endParaRPr lang="en-US" dirty="0" smtClean="0"/>
+          </a:p>
+          <a:p>
             <a:r>
               <a:rPr lang="bg-BG" dirty="0" smtClean="0"/>
-              <a:t>a complete, standalone operating system for the open </a:t>
-            </a:r>
+              <a:t>The announcement identified these work areas: </a:t>
+            </a:r>
+            <a:endParaRPr lang="en-US" dirty="0" smtClean="0"/>
+          </a:p>
+          <a:p>
+            <a:pPr lvl="1"/>
             <a:r>
               <a:rPr lang="bg-BG" dirty="0" smtClean="0"/>
-              <a:t>web</a:t>
+              <a:t>new web APIs</a:t>
             </a:r>
             <a:endParaRPr lang="en-US" dirty="0" smtClean="0"/>
           </a:p>
           <a:p>
+            <a:pPr lvl="1"/>
             <a:r>
               <a:rPr lang="bg-BG" dirty="0" smtClean="0"/>
-              <a:t>The </a:t>
-            </a:r>
-            <a:r>
-              <a:rPr lang="bg-BG" dirty="0" smtClean="0"/>
-              <a:t>announcement identified these work areas: </a:t>
-            </a:r>
-            <a:endParaRPr lang="en-US" dirty="0" smtClean="0"/>
-          </a:p>
-          <a:p>
-            <a:pPr lvl="1"/>
-            <a:r>
-              <a:rPr lang="bg-BG" dirty="0" smtClean="0"/>
-              <a:t>new </a:t>
-            </a:r>
-            <a:r>
-              <a:rPr lang="bg-BG" dirty="0" smtClean="0"/>
-              <a:t>web </a:t>
-            </a:r>
-            <a:r>
-              <a:rPr lang="bg-BG" dirty="0" smtClean="0"/>
-              <a:t>APIs</a:t>
-            </a:r>
-            <a:endParaRPr lang="en-US" dirty="0" smtClean="0"/>
-          </a:p>
-          <a:p>
-            <a:pPr lvl="1"/>
-            <a:r>
-              <a:rPr lang="bg-BG" dirty="0" smtClean="0"/>
-              <a:t>a </a:t>
-            </a:r>
-            <a:r>
-              <a:rPr lang="bg-BG" dirty="0" smtClean="0"/>
-              <a:t>privilege </a:t>
-            </a:r>
-            <a:r>
-              <a:rPr lang="bg-BG" dirty="0" smtClean="0"/>
-              <a:t>model</a:t>
+              <a:t>a privilege model</a:t>
             </a:r>
             <a:endParaRPr lang="en-US" dirty="0" smtClean="0"/>
           </a:p>
@@ -18184,7 +16553,6 @@
               <a:rPr lang="bg-BG" dirty="0" smtClean="0"/>
               <a:t>low-level code</a:t>
             </a:r>
-            <a:endParaRPr lang="bg-BG" dirty="0" smtClean="0"/>
           </a:p>
         </p:txBody>
       </p:sp>
@@ -18279,11 +16647,7 @@
             </a:r>
             <a:r>
               <a:rPr lang="bg-BG" i="1" dirty="0" smtClean="0"/>
-              <a:t>Boot </a:t>
-            </a:r>
-            <a:r>
-              <a:rPr lang="bg-BG" i="1" dirty="0" smtClean="0"/>
-              <a:t>to Gecko </a:t>
+              <a:t>Boot to Gecko </a:t>
             </a:r>
             <a:r>
               <a:rPr lang="bg-BG" dirty="0" smtClean="0"/>
@@ -18298,11 +16662,7 @@
           <a:p>
             <a:r>
               <a:rPr lang="bg-BG" b="1" dirty="0" smtClean="0"/>
-              <a:t>September </a:t>
-            </a:r>
-            <a:r>
-              <a:rPr lang="bg-BG" b="1" dirty="0" smtClean="0"/>
-              <a:t>2012 </a:t>
+              <a:t>September 2012 </a:t>
             </a:r>
             <a:r>
               <a:rPr lang="en-US" b="1" dirty="0" smtClean="0"/>
@@ -18318,15 +16678,7 @@
             </a:r>
             <a:r>
               <a:rPr lang="bg-BG" dirty="0" smtClean="0"/>
-              <a:t> </a:t>
-            </a:r>
-            <a:r>
-              <a:rPr lang="bg-BG" dirty="0" smtClean="0"/>
-              <a:t>Firefox OS would account for 1% of the global smartphone market </a:t>
-            </a:r>
-            <a:r>
-              <a:rPr lang="bg-BG" dirty="0" smtClean="0"/>
-              <a:t>in</a:t>
+              <a:t> Firefox OS would account for 1% of the global smartphone market in</a:t>
             </a:r>
             <a:r>
               <a:rPr lang="en-US" dirty="0" smtClean="0"/>
@@ -18337,11 +16689,7 @@
           <a:p>
             <a:r>
               <a:rPr lang="bg-BG" b="1" dirty="0" smtClean="0"/>
-              <a:t>February </a:t>
-            </a:r>
-            <a:r>
-              <a:rPr lang="bg-BG" b="1" dirty="0" smtClean="0"/>
-              <a:t>2013 </a:t>
+              <a:t>February 2013 </a:t>
             </a:r>
             <a:r>
               <a:rPr lang="en-US" b="1" dirty="0" smtClean="0"/>
@@ -18353,15 +16701,7 @@
             </a:r>
             <a:r>
               <a:rPr lang="bg-BG" dirty="0" smtClean="0"/>
-              <a:t>lans </a:t>
-            </a:r>
-            <a:r>
-              <a:rPr lang="bg-BG" dirty="0" smtClean="0"/>
-              <a:t>for global commercial roll-out of Firefox </a:t>
-            </a:r>
-            <a:r>
-              <a:rPr lang="bg-BG" dirty="0" smtClean="0"/>
-              <a:t>OS</a:t>
+              <a:t>lans for global commercial roll-out of Firefox OS</a:t>
             </a:r>
             <a:endParaRPr lang="en-US" dirty="0" smtClean="0"/>
           </a:p>
@@ -18373,25 +16713,8 @@
             </a:r>
             <a:r>
               <a:rPr lang="bg-BG" dirty="0" smtClean="0"/>
-              <a:t>Firefox </a:t>
-            </a:r>
-            <a:r>
-              <a:rPr lang="bg-BG" dirty="0" smtClean="0"/>
-              <a:t>OS devices will be available </a:t>
-            </a:r>
-            <a:r>
-              <a:rPr lang="bg-BG" dirty="0" smtClean="0"/>
-              <a:t>in </a:t>
-            </a:r>
-            <a:r>
-              <a:rPr lang="bg-BG" dirty="0" smtClean="0"/>
-              <a:t>Brazil, Colombia, Hungary, Mexico, Montenegro, Poland, Serbia, Spain and Venezuela</a:t>
-            </a:r>
-            <a:r>
-              <a:rPr lang="bg-BG" dirty="0" smtClean="0"/>
-              <a:t>.</a:t>
-            </a:r>
-            <a:endParaRPr lang="bg-BG" dirty="0" smtClean="0"/>
+              <a:t>Firefox OS devices will be available in Brazil, Colombia, Hungary, Mexico, Montenegro, Poland, Serbia, Spain and Venezuela.</a:t>
+            </a:r>
           </a:p>
           <a:p>
             <a:r>
@@ -18408,24 +16731,15 @@
             </a:r>
             <a:r>
               <a:rPr lang="bg-BG" dirty="0" smtClean="0"/>
-              <a:t> have committed to making Firefox OS devices</a:t>
-            </a:r>
+              <a:t> have committed to making Firefox OS devices.</a:t>
+            </a:r>
+            <a:endParaRPr lang="en-US" dirty="0" smtClean="0"/>
+          </a:p>
+          <a:p>
             <a:r>
               <a:rPr lang="bg-BG" dirty="0" smtClean="0"/>
-              <a:t>.</a:t>
-            </a:r>
-            <a:endParaRPr lang="en-US" dirty="0" smtClean="0"/>
-          </a:p>
-          <a:p>
-            <a:r>
-              <a:rPr lang="bg-BG" dirty="0" smtClean="0"/>
-              <a:t> </a:t>
-            </a:r>
-            <a:r>
-              <a:rPr lang="bg-BG" dirty="0" smtClean="0"/>
-              <a:t>At the beginning of 2013, Mozilla revealed a partnership with Spanish firm Geeksphone.</a:t>
-            </a:r>
-            <a:endParaRPr lang="bg-BG" dirty="0" smtClean="0"/>
+              <a:t> At the beginning of 2013, Mozilla revealed a partnership with Spanish firm Geeksphone.</a:t>
+            </a:r>
           </a:p>
         </p:txBody>
       </p:sp>
@@ -18505,45 +16819,20 @@
           <a:p>
             <a:r>
               <a:rPr lang="en-US" dirty="0" smtClean="0"/>
-              <a:t>At </a:t>
-            </a:r>
+              <a:t>At Mobile World Congress 2012, Mozilla demonstrated a "sneak preview" of the software and apps running on Samsung Galaxy S II phones (replacing their usual Android operating system). </a:t>
+            </a:r>
+          </a:p>
+          <a:p>
             <a:r>
               <a:rPr lang="en-US" dirty="0" smtClean="0"/>
-              <a:t>Mobile World Congress </a:t>
-            </a:r>
+              <a:t>In August 2012, a Nokia employee demonstrated the OS running on a Raspberry Pi.</a:t>
+            </a:r>
+            <a:endParaRPr lang="bg-BG" dirty="0" smtClean="0"/>
+          </a:p>
+          <a:p>
             <a:r>
               <a:rPr lang="en-US" dirty="0" smtClean="0"/>
-              <a:t>2012, Mozilla </a:t>
-            </a:r>
-            <a:r>
-              <a:rPr lang="en-US" dirty="0" smtClean="0"/>
-              <a:t>demonstrated a "sneak preview" of the software and apps running on Samsung Galaxy S II phones (replacing their usual Android operating system). </a:t>
-            </a:r>
-            <a:endParaRPr lang="en-US" dirty="0" smtClean="0"/>
-          </a:p>
-          <a:p>
-            <a:r>
-              <a:rPr lang="en-US" dirty="0" smtClean="0"/>
-              <a:t>In </a:t>
-            </a:r>
-            <a:r>
-              <a:rPr lang="en-US" dirty="0" smtClean="0"/>
-              <a:t>August 2012, a Nokia employee demonstrated the OS running on a Raspberry Pi.</a:t>
-            </a:r>
-            <a:endParaRPr lang="bg-BG" dirty="0" smtClean="0"/>
-          </a:p>
-          <a:p>
-            <a:r>
-              <a:rPr lang="en-US" dirty="0" smtClean="0"/>
-              <a:t>In December 2012, Mozilla rolled out another update and released Firefox OS Simulator 1.0 </a:t>
-            </a:r>
-            <a:r>
-              <a:rPr lang="en-US" dirty="0" smtClean="0"/>
-              <a:t>- add-on </a:t>
-            </a:r>
-            <a:r>
-              <a:rPr lang="en-US" dirty="0" smtClean="0"/>
-              <a:t>for Firefox.</a:t>
+              <a:t>In December 2012, Mozilla rolled out another update and released Firefox OS Simulator 1.0 - add-on for Firefox.</a:t>
             </a:r>
             <a:endParaRPr lang="bg-BG" dirty="0" smtClean="0"/>
           </a:p>
@@ -18637,15 +16926,7 @@
             </a:r>
             <a:r>
               <a:rPr lang="bg-BG" dirty="0" smtClean="0"/>
-              <a:t>ompletely </a:t>
-            </a:r>
-            <a:r>
-              <a:rPr lang="bg-BG" dirty="0" smtClean="0"/>
-              <a:t>open </a:t>
-            </a:r>
-            <a:r>
-              <a:rPr lang="bg-BG" dirty="0" smtClean="0"/>
-              <a:t>standards</a:t>
+              <a:t>ompletely open standards</a:t>
             </a:r>
             <a:endParaRPr lang="en-US" dirty="0" smtClean="0"/>
           </a:p>
@@ -18656,11 +16937,7 @@
             </a:r>
             <a:r>
               <a:rPr lang="bg-BG" dirty="0" smtClean="0"/>
-              <a:t>large </a:t>
-            </a:r>
-            <a:r>
-              <a:rPr lang="bg-BG" dirty="0" smtClean="0"/>
-              <a:t>number of established </a:t>
+              <a:t>large number of established </a:t>
             </a:r>
             <a:r>
               <a:rPr lang="en-US" dirty="0" smtClean="0"/>
@@ -18675,11 +16952,7 @@
           <a:p>
             <a:r>
               <a:rPr lang="bg-BG" dirty="0" smtClean="0"/>
-              <a:t>The </a:t>
-            </a:r>
-            <a:r>
-              <a:rPr lang="bg-BG" dirty="0" smtClean="0"/>
-              <a:t>goal </a:t>
+              <a:t>The goal </a:t>
             </a:r>
             <a:r>
               <a:rPr lang="en-US" dirty="0" smtClean="0"/>
@@ -18687,23 +16960,7 @@
             </a:r>
             <a:r>
               <a:rPr lang="bg-BG" dirty="0" smtClean="0"/>
-              <a:t> </a:t>
-            </a:r>
-            <a:r>
-              <a:rPr lang="bg-BG" dirty="0" smtClean="0"/>
-              <a:t>to enable developers to build applications using WebAPI which would then run in any </a:t>
-            </a:r>
-            <a:r>
-              <a:rPr lang="bg-BG" dirty="0" smtClean="0"/>
-              <a:t>browser </a:t>
-            </a:r>
-            <a:r>
-              <a:rPr lang="bg-BG" dirty="0" smtClean="0"/>
-              <a:t>without the need to rewrite their application for each platform</a:t>
-            </a:r>
-            <a:r>
-              <a:rPr lang="bg-BG" dirty="0" smtClean="0"/>
-              <a:t>.</a:t>
+              <a:t> to enable developers to build applications using WebAPI which would then run in any browser without the need to rewrite their application for each platform.</a:t>
             </a:r>
             <a:endParaRPr lang="en-US" dirty="0" smtClean="0"/>
           </a:p>
@@ -18714,26 +16971,13 @@
             </a:r>
             <a:r>
               <a:rPr lang="bg-BG" dirty="0" smtClean="0"/>
-              <a:t>ill be </a:t>
-            </a:r>
+              <a:t>ill be cheaper</a:t>
+            </a:r>
+          </a:p>
+          <a:p>
             <a:r>
               <a:rPr lang="bg-BG" dirty="0" smtClean="0"/>
-              <a:t>cheaper</a:t>
-            </a:r>
-            <a:endParaRPr lang="bg-BG" dirty="0" smtClean="0"/>
-          </a:p>
-          <a:p>
-            <a:r>
-              <a:rPr lang="bg-BG" dirty="0" smtClean="0"/>
-              <a:t>Firefox </a:t>
-            </a:r>
-            <a:r>
-              <a:rPr lang="bg-BG" dirty="0" smtClean="0"/>
-              <a:t>phones are likely to be sold first in the developing world and Eastern </a:t>
-            </a:r>
-            <a:r>
-              <a:rPr lang="bg-BG" dirty="0" smtClean="0"/>
-              <a:t>Europe</a:t>
+              <a:t>Firefox phones are likely to be sold first in the developing world and Eastern Europe</a:t>
             </a:r>
             <a:endParaRPr lang="en-US" dirty="0" smtClean="0"/>
           </a:p>
@@ -18760,7 +17004,6 @@
               <a:rPr lang="en-US" dirty="0" smtClean="0"/>
               <a:t>” </a:t>
             </a:r>
-            <a:endParaRPr lang="en-US" dirty="0" smtClean="0"/>
           </a:p>
           <a:p>
             <a:pPr>
@@ -18768,19 +17011,11 @@
             </a:pPr>
             <a:r>
               <a:rPr lang="en-US" i="1" dirty="0" smtClean="0"/>
-              <a:t>	</a:t>
-            </a:r>
-            <a:r>
-              <a:rPr lang="en-US" i="1" dirty="0" smtClean="0"/>
-              <a:t>						</a:t>
+              <a:t>							</a:t>
             </a:r>
             <a:r>
               <a:rPr lang="bg-BG" i="1" dirty="0" smtClean="0"/>
-              <a:t>Andreas </a:t>
-            </a:r>
-            <a:r>
-              <a:rPr lang="bg-BG" i="1" dirty="0" smtClean="0"/>
-              <a:t>Gal </a:t>
+              <a:t>Andreas Gal </a:t>
             </a:r>
           </a:p>
           <a:p>
